--- a/2010/lectures/10. ASP.NET-State-Management.pptx
+++ b/2010/lectures/10. ASP.NET-State-Management.pptx
@@ -264,14 +264,14 @@
           <a:effectLst/>
           <a:extLst>
             <a:ext uri="{909E8E84-426E-40DD-AFC4-6F175D3DCCD1}">
-              <a14:hiddenFill xmlns:a14="http://schemas.microsoft.com/office/drawing/2010/main" xmlns="">
+              <a14:hiddenFill xmlns:a14="http://schemas.microsoft.com/office/drawing/2010/main">
                 <a:solidFill>
                   <a:schemeClr val="accent1"/>
                 </a:solidFill>
               </a14:hiddenFill>
             </a:ext>
             <a:ext uri="{91240B29-F687-4F45-9708-019B960494DF}">
-              <a14:hiddenLine xmlns:a14="http://schemas.microsoft.com/office/drawing/2010/main" xmlns="" w="9525">
+              <a14:hiddenLine xmlns:a14="http://schemas.microsoft.com/office/drawing/2010/main" w="9525">
                 <a:solidFill>
                   <a:schemeClr val="tx1"/>
                 </a:solidFill>
@@ -281,7 +281,7 @@
               </a14:hiddenLine>
             </a:ext>
             <a:ext uri="{AF507438-7753-43E0-B8FC-AC1667EBCBE1}">
-              <a14:hiddenEffects xmlns:a14="http://schemas.microsoft.com/office/drawing/2010/main" xmlns="">
+              <a14:hiddenEffects xmlns:a14="http://schemas.microsoft.com/office/drawing/2010/main">
                 <a:effectLst>
                   <a:outerShdw dist="35921" dir="2700000" algn="ctr" rotWithShape="0">
                     <a:schemeClr val="bg2"/>
@@ -343,14 +343,14 @@
           <a:effectLst/>
           <a:extLst>
             <a:ext uri="{909E8E84-426E-40DD-AFC4-6F175D3DCCD1}">
-              <a14:hiddenFill xmlns:a14="http://schemas.microsoft.com/office/drawing/2010/main" xmlns="">
+              <a14:hiddenFill xmlns:a14="http://schemas.microsoft.com/office/drawing/2010/main">
                 <a:solidFill>
                   <a:schemeClr val="accent1"/>
                 </a:solidFill>
               </a14:hiddenFill>
             </a:ext>
             <a:ext uri="{91240B29-F687-4F45-9708-019B960494DF}">
-              <a14:hiddenLine xmlns:a14="http://schemas.microsoft.com/office/drawing/2010/main" xmlns="" w="9525">
+              <a14:hiddenLine xmlns:a14="http://schemas.microsoft.com/office/drawing/2010/main" w="9525">
                 <a:solidFill>
                   <a:schemeClr val="tx1"/>
                 </a:solidFill>
@@ -360,7 +360,7 @@
               </a14:hiddenLine>
             </a:ext>
             <a:ext uri="{AF507438-7753-43E0-B8FC-AC1667EBCBE1}">
-              <a14:hiddenEffects xmlns:a14="http://schemas.microsoft.com/office/drawing/2010/main" xmlns="">
+              <a14:hiddenEffects xmlns:a14="http://schemas.microsoft.com/office/drawing/2010/main">
                 <a:effectLst>
                   <a:outerShdw dist="35921" dir="2700000" algn="ctr" rotWithShape="0">
                     <a:schemeClr val="bg2"/>
@@ -398,7 +398,7 @@
               <a:pPr>
                 <a:defRPr/>
               </a:pPr>
-              <a:t>26.07.2010</a:t>
+              <a:t>10/11/2010</a:t>
             </a:fld>
             <a:endParaRPr lang="bg-BG"/>
           </a:p>
@@ -429,14 +429,14 @@
           <a:effectLst/>
           <a:extLst>
             <a:ext uri="{909E8E84-426E-40DD-AFC4-6F175D3DCCD1}">
-              <a14:hiddenFill xmlns:a14="http://schemas.microsoft.com/office/drawing/2010/main" xmlns="">
+              <a14:hiddenFill xmlns:a14="http://schemas.microsoft.com/office/drawing/2010/main">
                 <a:solidFill>
                   <a:schemeClr val="accent1"/>
                 </a:solidFill>
               </a14:hiddenFill>
             </a:ext>
             <a:ext uri="{91240B29-F687-4F45-9708-019B960494DF}">
-              <a14:hiddenLine xmlns:a14="http://schemas.microsoft.com/office/drawing/2010/main" xmlns="" w="9525">
+              <a14:hiddenLine xmlns:a14="http://schemas.microsoft.com/office/drawing/2010/main" w="9525">
                 <a:solidFill>
                   <a:schemeClr val="tx1"/>
                 </a:solidFill>
@@ -446,7 +446,7 @@
               </a14:hiddenLine>
             </a:ext>
             <a:ext uri="{AF507438-7753-43E0-B8FC-AC1667EBCBE1}">
-              <a14:hiddenEffects xmlns:a14="http://schemas.microsoft.com/office/drawing/2010/main" xmlns="">
+              <a14:hiddenEffects xmlns:a14="http://schemas.microsoft.com/office/drawing/2010/main">
                 <a:effectLst>
                   <a:outerShdw dist="35921" dir="2700000" algn="ctr" rotWithShape="0">
                     <a:schemeClr val="bg2"/>
@@ -511,14 +511,14 @@
           <a:effectLst/>
           <a:extLst>
             <a:ext uri="{909E8E84-426E-40DD-AFC4-6F175D3DCCD1}">
-              <a14:hiddenFill xmlns:a14="http://schemas.microsoft.com/office/drawing/2010/main" xmlns="">
+              <a14:hiddenFill xmlns:a14="http://schemas.microsoft.com/office/drawing/2010/main">
                 <a:solidFill>
                   <a:schemeClr val="accent1"/>
                 </a:solidFill>
               </a14:hiddenFill>
             </a:ext>
             <a:ext uri="{91240B29-F687-4F45-9708-019B960494DF}">
-              <a14:hiddenLine xmlns:a14="http://schemas.microsoft.com/office/drawing/2010/main" xmlns="" w="9525">
+              <a14:hiddenLine xmlns:a14="http://schemas.microsoft.com/office/drawing/2010/main" w="9525">
                 <a:solidFill>
                   <a:schemeClr val="tx1"/>
                 </a:solidFill>
@@ -528,7 +528,7 @@
               </a14:hiddenLine>
             </a:ext>
             <a:ext uri="{AF507438-7753-43E0-B8FC-AC1667EBCBE1}">
-              <a14:hiddenEffects xmlns:a14="http://schemas.microsoft.com/office/drawing/2010/main" xmlns="">
+              <a14:hiddenEffects xmlns:a14="http://schemas.microsoft.com/office/drawing/2010/main">
                 <a:effectLst>
                   <a:outerShdw dist="35921" dir="2700000" algn="ctr" rotWithShape="0">
                     <a:schemeClr val="bg2"/>
@@ -575,7 +575,7 @@
     </p:spTree>
     <p:extLst>
       <p:ext uri="{BB962C8B-B14F-4D97-AF65-F5344CB8AC3E}">
-        <p14:creationId xmlns:p14="http://schemas.microsoft.com/office/powerpoint/2010/main" xmlns="" val="3668405749"/>
+        <p14:creationId xmlns:p14="http://schemas.microsoft.com/office/powerpoint/2010/main" val="3668405749"/>
       </p:ext>
     </p:extLst>
   </p:cSld>
@@ -633,14 +633,14 @@
           <a:effectLst/>
           <a:extLst>
             <a:ext uri="{909E8E84-426E-40DD-AFC4-6F175D3DCCD1}">
-              <a14:hiddenFill xmlns:a14="http://schemas.microsoft.com/office/drawing/2010/main" xmlns="">
+              <a14:hiddenFill xmlns:a14="http://schemas.microsoft.com/office/drawing/2010/main">
                 <a:solidFill>
                   <a:schemeClr val="accent1"/>
                 </a:solidFill>
               </a14:hiddenFill>
             </a:ext>
             <a:ext uri="{91240B29-F687-4F45-9708-019B960494DF}">
-              <a14:hiddenLine xmlns:a14="http://schemas.microsoft.com/office/drawing/2010/main" xmlns="" w="9525">
+              <a14:hiddenLine xmlns:a14="http://schemas.microsoft.com/office/drawing/2010/main" w="9525">
                 <a:solidFill>
                   <a:schemeClr val="tx1"/>
                 </a:solidFill>
@@ -650,7 +650,7 @@
               </a14:hiddenLine>
             </a:ext>
             <a:ext uri="{AF507438-7753-43E0-B8FC-AC1667EBCBE1}">
-              <a14:hiddenEffects xmlns:a14="http://schemas.microsoft.com/office/drawing/2010/main" xmlns="">
+              <a14:hiddenEffects xmlns:a14="http://schemas.microsoft.com/office/drawing/2010/main">
                 <a:effectLst>
                   <a:outerShdw dist="35921" dir="2700000" algn="ctr" rotWithShape="0">
                     <a:srgbClr val="808080"/>
@@ -716,14 +716,14 @@
           <a:effectLst/>
           <a:extLst>
             <a:ext uri="{909E8E84-426E-40DD-AFC4-6F175D3DCCD1}">
-              <a14:hiddenFill xmlns:a14="http://schemas.microsoft.com/office/drawing/2010/main" xmlns="">
+              <a14:hiddenFill xmlns:a14="http://schemas.microsoft.com/office/drawing/2010/main">
                 <a:solidFill>
                   <a:schemeClr val="accent1"/>
                 </a:solidFill>
               </a14:hiddenFill>
             </a:ext>
             <a:ext uri="{91240B29-F687-4F45-9708-019B960494DF}">
-              <a14:hiddenLine xmlns:a14="http://schemas.microsoft.com/office/drawing/2010/main" xmlns="" w="9525">
+              <a14:hiddenLine xmlns:a14="http://schemas.microsoft.com/office/drawing/2010/main" w="9525">
                 <a:solidFill>
                   <a:schemeClr val="tx1"/>
                 </a:solidFill>
@@ -733,7 +733,7 @@
               </a14:hiddenLine>
             </a:ext>
             <a:ext uri="{AF507438-7753-43E0-B8FC-AC1667EBCBE1}">
-              <a14:hiddenEffects xmlns:a14="http://schemas.microsoft.com/office/drawing/2010/main" xmlns="">
+              <a14:hiddenEffects xmlns:a14="http://schemas.microsoft.com/office/drawing/2010/main">
                 <a:effectLst>
                   <a:outerShdw dist="35921" dir="2700000" algn="ctr" rotWithShape="0">
                     <a:srgbClr val="808080"/>
@@ -771,7 +771,7 @@
               <a:pPr>
                 <a:defRPr/>
               </a:pPr>
-              <a:t>26.07.2010</a:t>
+              <a:t>10/11/2010</a:t>
             </a:fld>
             <a:r>
               <a:rPr lang="en-US"/>
@@ -811,14 +811,14 @@
           <a:effectLst/>
           <a:extLst>
             <a:ext uri="{909E8E84-426E-40DD-AFC4-6F175D3DCCD1}">
-              <a14:hiddenFill xmlns:a14="http://schemas.microsoft.com/office/drawing/2010/main" xmlns="">
+              <a14:hiddenFill xmlns:a14="http://schemas.microsoft.com/office/drawing/2010/main">
                 <a:solidFill>
                   <a:srgbClr val="FFFFFF"/>
                 </a:solidFill>
               </a14:hiddenFill>
             </a:ext>
             <a:ext uri="{AF507438-7753-43E0-B8FC-AC1667EBCBE1}">
-              <a14:hiddenEffects xmlns:a14="http://schemas.microsoft.com/office/drawing/2010/main" xmlns="">
+              <a14:hiddenEffects xmlns:a14="http://schemas.microsoft.com/office/drawing/2010/main">
                 <a:effectLst>
                   <a:outerShdw dist="35921" dir="2700000" algn="ctr" rotWithShape="0">
                     <a:srgbClr val="808080"/>
@@ -854,14 +854,14 @@
           <a:effectLst/>
           <a:extLst>
             <a:ext uri="{909E8E84-426E-40DD-AFC4-6F175D3DCCD1}">
-              <a14:hiddenFill xmlns:a14="http://schemas.microsoft.com/office/drawing/2010/main" xmlns="">
+              <a14:hiddenFill xmlns:a14="http://schemas.microsoft.com/office/drawing/2010/main">
                 <a:solidFill>
                   <a:schemeClr val="accent1"/>
                 </a:solidFill>
               </a14:hiddenFill>
             </a:ext>
             <a:ext uri="{91240B29-F687-4F45-9708-019B960494DF}">
-              <a14:hiddenLine xmlns:a14="http://schemas.microsoft.com/office/drawing/2010/main" xmlns="" w="9525">
+              <a14:hiddenLine xmlns:a14="http://schemas.microsoft.com/office/drawing/2010/main" w="9525">
                 <a:solidFill>
                   <a:schemeClr val="tx1"/>
                 </a:solidFill>
@@ -871,7 +871,7 @@
               </a14:hiddenLine>
             </a:ext>
             <a:ext uri="{AF507438-7753-43E0-B8FC-AC1667EBCBE1}">
-              <a14:hiddenEffects xmlns:a14="http://schemas.microsoft.com/office/drawing/2010/main" xmlns="">
+              <a14:hiddenEffects xmlns:a14="http://schemas.microsoft.com/office/drawing/2010/main">
                 <a:effectLst>
                   <a:outerShdw dist="35921" dir="2700000" algn="ctr" rotWithShape="0">
                     <a:srgbClr val="808080"/>
@@ -950,14 +950,14 @@
           <a:effectLst/>
           <a:extLst>
             <a:ext uri="{909E8E84-426E-40DD-AFC4-6F175D3DCCD1}">
-              <a14:hiddenFill xmlns:a14="http://schemas.microsoft.com/office/drawing/2010/main" xmlns="">
+              <a14:hiddenFill xmlns:a14="http://schemas.microsoft.com/office/drawing/2010/main">
                 <a:solidFill>
                   <a:schemeClr val="accent1"/>
                 </a:solidFill>
               </a14:hiddenFill>
             </a:ext>
             <a:ext uri="{91240B29-F687-4F45-9708-019B960494DF}">
-              <a14:hiddenLine xmlns:a14="http://schemas.microsoft.com/office/drawing/2010/main" xmlns="" w="9525">
+              <a14:hiddenLine xmlns:a14="http://schemas.microsoft.com/office/drawing/2010/main" w="9525">
                 <a:solidFill>
                   <a:schemeClr val="tx1"/>
                 </a:solidFill>
@@ -967,7 +967,7 @@
               </a14:hiddenLine>
             </a:ext>
             <a:ext uri="{AF507438-7753-43E0-B8FC-AC1667EBCBE1}">
-              <a14:hiddenEffects xmlns:a14="http://schemas.microsoft.com/office/drawing/2010/main" xmlns="">
+              <a14:hiddenEffects xmlns:a14="http://schemas.microsoft.com/office/drawing/2010/main">
                 <a:effectLst>
                   <a:outerShdw dist="35921" dir="2700000" algn="ctr" rotWithShape="0">
                     <a:srgbClr val="808080"/>
@@ -1033,14 +1033,14 @@
           <a:effectLst/>
           <a:extLst>
             <a:ext uri="{909E8E84-426E-40DD-AFC4-6F175D3DCCD1}">
-              <a14:hiddenFill xmlns:a14="http://schemas.microsoft.com/office/drawing/2010/main" xmlns="">
+              <a14:hiddenFill xmlns:a14="http://schemas.microsoft.com/office/drawing/2010/main">
                 <a:solidFill>
                   <a:schemeClr val="accent1"/>
                 </a:solidFill>
               </a14:hiddenFill>
             </a:ext>
             <a:ext uri="{91240B29-F687-4F45-9708-019B960494DF}">
-              <a14:hiddenLine xmlns:a14="http://schemas.microsoft.com/office/drawing/2010/main" xmlns="" w="9525">
+              <a14:hiddenLine xmlns:a14="http://schemas.microsoft.com/office/drawing/2010/main" w="9525">
                 <a:solidFill>
                   <a:schemeClr val="tx1"/>
                 </a:solidFill>
@@ -1050,7 +1050,7 @@
               </a14:hiddenLine>
             </a:ext>
             <a:ext uri="{AF507438-7753-43E0-B8FC-AC1667EBCBE1}">
-              <a14:hiddenEffects xmlns:a14="http://schemas.microsoft.com/office/drawing/2010/main" xmlns="">
+              <a14:hiddenEffects xmlns:a14="http://schemas.microsoft.com/office/drawing/2010/main">
                 <a:effectLst>
                   <a:outerShdw dist="35921" dir="2700000" algn="ctr" rotWithShape="0">
                     <a:srgbClr val="808080"/>
@@ -1101,7 +1101,7 @@
     </p:spTree>
     <p:extLst>
       <p:ext uri="{BB962C8B-B14F-4D97-AF65-F5344CB8AC3E}">
-        <p14:creationId xmlns:p14="http://schemas.microsoft.com/office/powerpoint/2010/main" xmlns="" val="661779621"/>
+        <p14:creationId xmlns:p14="http://schemas.microsoft.com/office/powerpoint/2010/main" val="661779621"/>
       </p:ext>
     </p:extLst>
   </p:cSld>
@@ -24576,7 +24576,7 @@
           <a:blip r:embed="rId2" cstate="print">
             <a:extLst>
               <a:ext uri="{28A0092B-C50C-407E-A947-70E740481C1C}">
-                <a14:useLocalDpi xmlns:a14="http://schemas.microsoft.com/office/drawing/2010/main" xmlns=""/>
+                <a14:useLocalDpi xmlns:a14="http://schemas.microsoft.com/office/drawing/2010/main"/>
               </a:ext>
             </a:extLst>
           </a:blip>
@@ -24620,7 +24620,7 @@
           <a:effectLst/>
           <a:extLst>
             <a:ext uri="{AF507438-7753-43E0-B8FC-AC1667EBCBE1}">
-              <a14:hiddenEffects xmlns:a14="http://schemas.microsoft.com/office/drawing/2010/main" xmlns="">
+              <a14:hiddenEffects xmlns:a14="http://schemas.microsoft.com/office/drawing/2010/main">
                 <a:effectLst>
                   <a:outerShdw dist="35921" dir="2700000" algn="ctr" rotWithShape="0">
                     <a:srgbClr val="003366"/>
@@ -24672,14 +24672,14 @@
           <a:effectLst/>
           <a:extLst>
             <a:ext uri="{909E8E84-426E-40DD-AFC4-6F175D3DCCD1}">
-              <a14:hiddenFill xmlns:a14="http://schemas.microsoft.com/office/drawing/2010/main" xmlns="">
+              <a14:hiddenFill xmlns:a14="http://schemas.microsoft.com/office/drawing/2010/main">
                 <a:solidFill>
                   <a:schemeClr val="accent1"/>
                 </a:solidFill>
               </a14:hiddenFill>
             </a:ext>
             <a:ext uri="{AF507438-7753-43E0-B8FC-AC1667EBCBE1}">
-              <a14:hiddenEffects xmlns:a14="http://schemas.microsoft.com/office/drawing/2010/main" xmlns="">
+              <a14:hiddenEffects xmlns:a14="http://schemas.microsoft.com/office/drawing/2010/main">
                 <a:effectLst>
                   <a:outerShdw dist="35921" dir="2700000" algn="ctr" rotWithShape="0">
                     <a:schemeClr val="bg2"/>
@@ -24713,7 +24713,7 @@
     </p:spTree>
     <p:extLst>
       <p:ext uri="{BB962C8B-B14F-4D97-AF65-F5344CB8AC3E}">
-        <p14:creationId xmlns:p14="http://schemas.microsoft.com/office/powerpoint/2010/main" xmlns="" val="3847863487"/>
+        <p14:creationId xmlns:p14="http://schemas.microsoft.com/office/powerpoint/2010/main" val="3847863487"/>
       </p:ext>
     </p:extLst>
   </p:cSld>
@@ -24819,7 +24819,7 @@
     </p:spTree>
     <p:extLst>
       <p:ext uri="{BB962C8B-B14F-4D97-AF65-F5344CB8AC3E}">
-        <p14:creationId xmlns:p14="http://schemas.microsoft.com/office/powerpoint/2010/main" xmlns="" val="4040342216"/>
+        <p14:creationId xmlns:p14="http://schemas.microsoft.com/office/powerpoint/2010/main" val="4040342216"/>
       </p:ext>
     </p:extLst>
   </p:cSld>
@@ -24935,7 +24935,7 @@
     </p:spTree>
     <p:extLst>
       <p:ext uri="{BB962C8B-B14F-4D97-AF65-F5344CB8AC3E}">
-        <p14:creationId xmlns:p14="http://schemas.microsoft.com/office/powerpoint/2010/main" xmlns="" val="1231992840"/>
+        <p14:creationId xmlns:p14="http://schemas.microsoft.com/office/powerpoint/2010/main" val="1231992840"/>
       </p:ext>
     </p:extLst>
   </p:cSld>
@@ -25165,7 +25165,7 @@
     </p:spTree>
     <p:extLst>
       <p:ext uri="{BB962C8B-B14F-4D97-AF65-F5344CB8AC3E}">
-        <p14:creationId xmlns:p14="http://schemas.microsoft.com/office/powerpoint/2010/main" xmlns="" val="2262594165"/>
+        <p14:creationId xmlns:p14="http://schemas.microsoft.com/office/powerpoint/2010/main" val="2262594165"/>
       </p:ext>
     </p:extLst>
   </p:cSld>
@@ -26913,7 +26913,7 @@
     </p:spTree>
     <p:extLst>
       <p:ext uri="{BB962C8B-B14F-4D97-AF65-F5344CB8AC3E}">
-        <p14:creationId xmlns:p14="http://schemas.microsoft.com/office/powerpoint/2010/main" xmlns="" val="2262594165"/>
+        <p14:creationId xmlns:p14="http://schemas.microsoft.com/office/powerpoint/2010/main" val="2262594165"/>
       </p:ext>
     </p:extLst>
   </p:cSld>
@@ -27019,7 +27019,7 @@
     </p:spTree>
     <p:extLst>
       <p:ext uri="{BB962C8B-B14F-4D97-AF65-F5344CB8AC3E}">
-        <p14:creationId xmlns:p14="http://schemas.microsoft.com/office/powerpoint/2010/main" xmlns="" val="2195422449"/>
+        <p14:creationId xmlns:p14="http://schemas.microsoft.com/office/powerpoint/2010/main" val="2195422449"/>
       </p:ext>
     </p:extLst>
   </p:cSld>
@@ -27147,7 +27147,7 @@
     </p:spTree>
     <p:extLst>
       <p:ext uri="{BB962C8B-B14F-4D97-AF65-F5344CB8AC3E}">
-        <p14:creationId xmlns:p14="http://schemas.microsoft.com/office/powerpoint/2010/main" xmlns="" val="3311887489"/>
+        <p14:creationId xmlns:p14="http://schemas.microsoft.com/office/powerpoint/2010/main" val="3311887489"/>
       </p:ext>
     </p:extLst>
   </p:cSld>
@@ -27371,7 +27371,7 @@
     </p:spTree>
     <p:extLst>
       <p:ext uri="{BB962C8B-B14F-4D97-AF65-F5344CB8AC3E}">
-        <p14:creationId xmlns:p14="http://schemas.microsoft.com/office/powerpoint/2010/main" xmlns="" val="21676722"/>
+        <p14:creationId xmlns:p14="http://schemas.microsoft.com/office/powerpoint/2010/main" val="21676722"/>
       </p:ext>
     </p:extLst>
   </p:cSld>
@@ -27734,7 +27734,7 @@
     </p:spTree>
     <p:extLst>
       <p:ext uri="{BB962C8B-B14F-4D97-AF65-F5344CB8AC3E}">
-        <p14:creationId xmlns:p14="http://schemas.microsoft.com/office/powerpoint/2010/main" xmlns="" val="2137746093"/>
+        <p14:creationId xmlns:p14="http://schemas.microsoft.com/office/powerpoint/2010/main" val="2137746093"/>
       </p:ext>
     </p:extLst>
   </p:cSld>
@@ -27788,7 +27788,7 @@
     </p:spTree>
     <p:extLst>
       <p:ext uri="{BB962C8B-B14F-4D97-AF65-F5344CB8AC3E}">
-        <p14:creationId xmlns:p14="http://schemas.microsoft.com/office/powerpoint/2010/main" xmlns="" val="1099757680"/>
+        <p14:creationId xmlns:p14="http://schemas.microsoft.com/office/powerpoint/2010/main" val="1099757680"/>
       </p:ext>
     </p:extLst>
   </p:cSld>
@@ -27819,7 +27819,7 @@
     </p:spTree>
     <p:extLst>
       <p:ext uri="{BB962C8B-B14F-4D97-AF65-F5344CB8AC3E}">
-        <p14:creationId xmlns:p14="http://schemas.microsoft.com/office/powerpoint/2010/main" xmlns="" val="3445610840"/>
+        <p14:creationId xmlns:p14="http://schemas.microsoft.com/office/powerpoint/2010/main" val="3445610840"/>
       </p:ext>
     </p:extLst>
   </p:cSld>
@@ -28032,7 +28032,7 @@
     </p:spTree>
     <p:extLst>
       <p:ext uri="{BB962C8B-B14F-4D97-AF65-F5344CB8AC3E}">
-        <p14:creationId xmlns:p14="http://schemas.microsoft.com/office/powerpoint/2010/main" xmlns="" val="4096128539"/>
+        <p14:creationId xmlns:p14="http://schemas.microsoft.com/office/powerpoint/2010/main" val="4096128539"/>
       </p:ext>
     </p:extLst>
   </p:cSld>
@@ -28222,7 +28222,7 @@
     </p:spTree>
     <p:extLst>
       <p:ext uri="{BB962C8B-B14F-4D97-AF65-F5344CB8AC3E}">
-        <p14:creationId xmlns:p14="http://schemas.microsoft.com/office/powerpoint/2010/main" xmlns="" val="2687583865"/>
+        <p14:creationId xmlns:p14="http://schemas.microsoft.com/office/powerpoint/2010/main" val="2687583865"/>
       </p:ext>
     </p:extLst>
   </p:cSld>
@@ -28242,7 +28242,7 @@
           <a:blip r:embed="rId14" cstate="print">
             <a:extLst>
               <a:ext uri="{28A0092B-C50C-407E-A947-70E740481C1C}">
-                <a14:useLocalDpi xmlns:a14="http://schemas.microsoft.com/office/drawing/2010/main" xmlns=""/>
+                <a14:useLocalDpi xmlns:a14="http://schemas.microsoft.com/office/drawing/2010/main"/>
               </a:ext>
             </a:extLst>
           </a:blip>
@@ -28297,14 +28297,14 @@
           </a:effectLst>
           <a:extLst>
             <a:ext uri="{909E8E84-426E-40DD-AFC4-6F175D3DCCD1}">
-              <a14:hiddenFill xmlns:a14="http://schemas.microsoft.com/office/drawing/2010/main" xmlns="">
+              <a14:hiddenFill xmlns:a14="http://schemas.microsoft.com/office/drawing/2010/main">
                 <a:solidFill>
                   <a:schemeClr val="accent1"/>
                 </a:solidFill>
               </a14:hiddenFill>
             </a:ext>
             <a:ext uri="{91240B29-F687-4F45-9708-019B960494DF}">
-              <a14:hiddenLine xmlns:a14="http://schemas.microsoft.com/office/drawing/2010/main" xmlns="" w="9525">
+              <a14:hiddenLine xmlns:a14="http://schemas.microsoft.com/office/drawing/2010/main" w="9525">
                 <a:solidFill>
                   <a:schemeClr val="tx1"/>
                 </a:solidFill>
@@ -28389,7 +28389,7 @@
           </a:effectLst>
           <a:extLst>
             <a:ext uri="{909E8E84-426E-40DD-AFC4-6F175D3DCCD1}">
-              <a14:hiddenFill xmlns:a14="http://schemas.microsoft.com/office/drawing/2010/main" xmlns="">
+              <a14:hiddenFill xmlns:a14="http://schemas.microsoft.com/office/drawing/2010/main">
                 <a:solidFill>
                   <a:srgbClr val="FFFFFF">
                     <a:alpha val="30000"/>
@@ -28398,7 +28398,7 @@
               </a14:hiddenFill>
             </a:ext>
             <a:ext uri="{91240B29-F687-4F45-9708-019B960494DF}">
-              <a14:hiddenLine xmlns:a14="http://schemas.microsoft.com/office/drawing/2010/main" xmlns="" w="9525">
+              <a14:hiddenLine xmlns:a14="http://schemas.microsoft.com/office/drawing/2010/main" w="9525">
                 <a:solidFill>
                   <a:schemeClr val="tx1"/>
                 </a:solidFill>
@@ -29778,7 +29778,7 @@
             <a:lum bright="-20000"/>
             <a:extLst>
               <a:ext uri="{28A0092B-C50C-407E-A947-70E740481C1C}">
-                <a14:useLocalDpi xmlns:a14="http://schemas.microsoft.com/office/drawing/2010/main" xmlns=""/>
+                <a14:useLocalDpi xmlns:a14="http://schemas.microsoft.com/office/drawing/2010/main"/>
               </a:ext>
             </a:extLst>
           </a:blip>
@@ -30566,7 +30566,7 @@
           <a:blip r:embed="rId5" cstate="print">
             <a:extLst>
               <a:ext uri="{28A0092B-C50C-407E-A947-70E740481C1C}">
-                <a14:useLocalDpi xmlns:a14="http://schemas.microsoft.com/office/drawing/2010/main" xmlns="" val="0"/>
+                <a14:useLocalDpi xmlns:a14="http://schemas.microsoft.com/office/drawing/2010/main" val="0"/>
               </a:ext>
             </a:extLst>
           </a:blip>
@@ -30614,11 +30614,11 @@
   <p:clrMapOvr>
     <a:masterClrMapping/>
   </p:clrMapOvr>
-  <mc:AlternateContent xmlns:mc="http://schemas.openxmlformats.org/markup-compatibility/2006">
-    <mc:Choice xmlns:p14="http://schemas.microsoft.com/office/powerpoint/2010/main" xmlns="" Requires="p14">
+  <mc:AlternateContent xmlns:mc="http://schemas.openxmlformats.org/markup-compatibility/2006" xmlns:p14="http://schemas.microsoft.com/office/powerpoint/2010/main">
+    <mc:Choice Requires="p14">
       <p:transition spd="slow" p14:dur="2000"/>
     </mc:Choice>
-    <mc:Fallback>
+    <mc:Fallback xmlns="">
       <p:transition spd="slow"/>
     </mc:Fallback>
   </mc:AlternateContent>
@@ -31096,11 +31096,11 @@
   <p:clrMapOvr>
     <a:masterClrMapping/>
   </p:clrMapOvr>
-  <mc:AlternateContent xmlns:mc="http://schemas.openxmlformats.org/markup-compatibility/2006">
-    <mc:Choice xmlns:p14="http://schemas.microsoft.com/office/powerpoint/2010/main" xmlns="" Requires="p14">
+  <mc:AlternateContent xmlns:mc="http://schemas.openxmlformats.org/markup-compatibility/2006" xmlns:p14="http://schemas.microsoft.com/office/powerpoint/2010/main">
+    <mc:Choice Requires="p14">
       <p:transition spd="slow" p14:dur="2000"/>
     </mc:Choice>
-    <mc:Fallback>
+    <mc:Fallback xmlns="">
       <p:transition spd="slow"/>
     </mc:Fallback>
   </mc:AlternateContent>
@@ -31188,14 +31188,14 @@
           <a:effectLst/>
           <a:extLst>
             <a:ext uri="{909E8E84-426E-40DD-AFC4-6F175D3DCCD1}">
-              <a14:hiddenFill xmlns:a14="http://schemas.microsoft.com/office/drawing/2010/main" xmlns="">
+              <a14:hiddenFill xmlns:a14="http://schemas.microsoft.com/office/drawing/2010/main">
                 <a:solidFill>
                   <a:schemeClr val="accent1"/>
                 </a:solidFill>
               </a14:hiddenFill>
             </a:ext>
             <a:ext uri="{91240B29-F687-4F45-9708-019B960494DF}">
-              <a14:hiddenLine xmlns:a14="http://schemas.microsoft.com/office/drawing/2010/main" xmlns="" w="9525">
+              <a14:hiddenLine xmlns:a14="http://schemas.microsoft.com/office/drawing/2010/main" w="9525">
                 <a:solidFill>
                   <a:schemeClr val="tx1"/>
                 </a:solidFill>
@@ -31205,7 +31205,7 @@
               </a14:hiddenLine>
             </a:ext>
             <a:ext uri="{AF507438-7753-43E0-B8FC-AC1667EBCBE1}">
-              <a14:hiddenEffects xmlns:a14="http://schemas.microsoft.com/office/drawing/2010/main" xmlns="">
+              <a14:hiddenEffects xmlns:a14="http://schemas.microsoft.com/office/drawing/2010/main">
                 <a:effectLst>
                   <a:outerShdw dist="35921" dir="2700000" algn="ctr" rotWithShape="0">
                     <a:schemeClr val="bg2"/>
@@ -31269,7 +31269,7 @@
           <a:blip r:embed="rId3" cstate="print">
             <a:extLst>
               <a:ext uri="{BEBA8EAE-BF5A-486C-A8C5-ECC9F3942E4B}">
-                <a14:imgProps xmlns:a14="http://schemas.microsoft.com/office/drawing/2010/main" xmlns="">
+                <a14:imgProps xmlns:a14="http://schemas.microsoft.com/office/drawing/2010/main">
                   <a14:imgLayer r:embed="rId4">
                     <a14:imgEffect>
                       <a14:backgroundRemoval t="9957" b="88745" l="633" r="89451">
@@ -31319,7 +31319,7 @@
                 </a14:imgProps>
               </a:ext>
               <a:ext uri="{28A0092B-C50C-407E-A947-70E740481C1C}">
-                <a14:useLocalDpi xmlns:a14="http://schemas.microsoft.com/office/drawing/2010/main" xmlns=""/>
+                <a14:useLocalDpi xmlns:a14="http://schemas.microsoft.com/office/drawing/2010/main"/>
               </a:ext>
             </a:extLst>
           </a:blip>
@@ -31350,14 +31350,14 @@
           </a:effectLst>
           <a:extLst>
             <a:ext uri="{909E8E84-426E-40DD-AFC4-6F175D3DCCD1}">
-              <a14:hiddenFill xmlns:a14="http://schemas.microsoft.com/office/drawing/2010/main" xmlns="">
+              <a14:hiddenFill xmlns:a14="http://schemas.microsoft.com/office/drawing/2010/main">
                 <a:solidFill>
                   <a:schemeClr val="accent1"/>
                 </a:solidFill>
               </a14:hiddenFill>
             </a:ext>
             <a:ext uri="{91240B29-F687-4F45-9708-019B960494DF}">
-              <a14:hiddenLine xmlns:a14="http://schemas.microsoft.com/office/drawing/2010/main" xmlns="" w="9525">
+              <a14:hiddenLine xmlns:a14="http://schemas.microsoft.com/office/drawing/2010/main" w="9525">
                 <a:solidFill>
                   <a:schemeClr val="tx1"/>
                 </a:solidFill>
@@ -31381,7 +31381,7 @@
           <a:blip r:embed="rId5" cstate="screen">
             <a:extLst>
               <a:ext uri="{BEBA8EAE-BF5A-486C-A8C5-ECC9F3942E4B}">
-                <a14:imgProps xmlns:a14="http://schemas.microsoft.com/office/drawing/2010/main" xmlns="">
+                <a14:imgProps xmlns:a14="http://schemas.microsoft.com/office/drawing/2010/main">
                   <a14:imgLayer r:embed="rId6">
                     <a14:imgEffect>
                       <a14:backgroundRemoval t="0" b="99688" l="0" r="100000">
@@ -31403,7 +31403,7 @@
                 </a14:imgProps>
               </a:ext>
               <a:ext uri="{28A0092B-C50C-407E-A947-70E740481C1C}">
-                <a14:useLocalDpi xmlns:a14="http://schemas.microsoft.com/office/drawing/2010/main" xmlns=""/>
+                <a14:useLocalDpi xmlns:a14="http://schemas.microsoft.com/office/drawing/2010/main"/>
               </a:ext>
             </a:extLst>
           </a:blip>
@@ -31427,14 +31427,14 @@
           <a:effectLst/>
           <a:extLst>
             <a:ext uri="{909E8E84-426E-40DD-AFC4-6F175D3DCCD1}">
-              <a14:hiddenFill xmlns:a14="http://schemas.microsoft.com/office/drawing/2010/main" xmlns="">
+              <a14:hiddenFill xmlns:a14="http://schemas.microsoft.com/office/drawing/2010/main">
                 <a:solidFill>
                   <a:schemeClr val="accent1"/>
                 </a:solidFill>
               </a14:hiddenFill>
             </a:ext>
             <a:ext uri="{91240B29-F687-4F45-9708-019B960494DF}">
-              <a14:hiddenLine xmlns:a14="http://schemas.microsoft.com/office/drawing/2010/main" xmlns="" w="9525">
+              <a14:hiddenLine xmlns:a14="http://schemas.microsoft.com/office/drawing/2010/main" w="9525">
                 <a:solidFill>
                   <a:schemeClr val="tx1"/>
                 </a:solidFill>
@@ -31444,7 +31444,7 @@
               </a14:hiddenLine>
             </a:ext>
             <a:ext uri="{AF507438-7753-43E0-B8FC-AC1667EBCBE1}">
-              <a14:hiddenEffects xmlns:a14="http://schemas.microsoft.com/office/drawing/2010/main" xmlns="">
+              <a14:hiddenEffects xmlns:a14="http://schemas.microsoft.com/office/drawing/2010/main">
                 <a:effectLst>
                   <a:outerShdw dist="35921" dir="2700000" algn="ctr" rotWithShape="0">
                     <a:schemeClr val="bg2"/>
@@ -31467,7 +31467,7 @@
           <a:blip r:embed="rId7" cstate="screen">
             <a:extLst>
               <a:ext uri="{BEBA8EAE-BF5A-486C-A8C5-ECC9F3942E4B}">
-                <a14:imgProps xmlns:a14="http://schemas.microsoft.com/office/drawing/2010/main" xmlns="">
+                <a14:imgProps xmlns:a14="http://schemas.microsoft.com/office/drawing/2010/main">
                   <a14:imgLayer r:embed="rId8">
                     <a14:imgEffect>
                       <a14:colorTemperature colorTemp="4700"/>
@@ -31476,7 +31476,7 @@
                 </a14:imgProps>
               </a:ext>
               <a:ext uri="{28A0092B-C50C-407E-A947-70E740481C1C}">
-                <a14:useLocalDpi xmlns:a14="http://schemas.microsoft.com/office/drawing/2010/main" xmlns=""/>
+                <a14:useLocalDpi xmlns:a14="http://schemas.microsoft.com/office/drawing/2010/main"/>
               </a:ext>
             </a:extLst>
           </a:blip>
@@ -31502,14 +31502,14 @@
           <a:effectLst/>
           <a:extLst>
             <a:ext uri="{909E8E84-426E-40DD-AFC4-6F175D3DCCD1}">
-              <a14:hiddenFill xmlns:a14="http://schemas.microsoft.com/office/drawing/2010/main" xmlns="">
+              <a14:hiddenFill xmlns:a14="http://schemas.microsoft.com/office/drawing/2010/main">
                 <a:solidFill>
                   <a:schemeClr val="accent1"/>
                 </a:solidFill>
               </a14:hiddenFill>
             </a:ext>
             <a:ext uri="{91240B29-F687-4F45-9708-019B960494DF}">
-              <a14:hiddenLine xmlns:a14="http://schemas.microsoft.com/office/drawing/2010/main" xmlns="" w="9525">
+              <a14:hiddenLine xmlns:a14="http://schemas.microsoft.com/office/drawing/2010/main" w="9525">
                 <a:solidFill>
                   <a:schemeClr val="tx1"/>
                 </a:solidFill>
@@ -31519,7 +31519,7 @@
               </a14:hiddenLine>
             </a:ext>
             <a:ext uri="{AF507438-7753-43E0-B8FC-AC1667EBCBE1}">
-              <a14:hiddenEffects xmlns:a14="http://schemas.microsoft.com/office/drawing/2010/main" xmlns="">
+              <a14:hiddenEffects xmlns:a14="http://schemas.microsoft.com/office/drawing/2010/main">
                 <a:effectLst>
                   <a:outerShdw dist="35921" dir="2700000" algn="ctr" rotWithShape="0">
                     <a:schemeClr val="bg2"/>
@@ -31571,11 +31571,11 @@
   <p:clrMapOvr>
     <a:masterClrMapping/>
   </p:clrMapOvr>
-  <mc:AlternateContent xmlns:mc="http://schemas.openxmlformats.org/markup-compatibility/2006">
-    <mc:Choice xmlns:p14="http://schemas.microsoft.com/office/powerpoint/2010/main" xmlns="" Requires="p14">
+  <mc:AlternateContent xmlns:mc="http://schemas.openxmlformats.org/markup-compatibility/2006" xmlns:p14="http://schemas.microsoft.com/office/powerpoint/2010/main">
+    <mc:Choice Requires="p14">
       <p:transition spd="slow" p14:dur="2000"/>
     </mc:Choice>
-    <mc:Fallback>
+    <mc:Fallback xmlns="">
       <p:transition spd="slow"/>
     </mc:Fallback>
   </mc:AlternateContent>
@@ -31676,7 +31676,7 @@
           <a:blip r:embed="rId2" cstate="print">
             <a:extLst>
               <a:ext uri="{28A0092B-C50C-407E-A947-70E740481C1C}">
-                <a14:useLocalDpi xmlns:a14="http://schemas.microsoft.com/office/drawing/2010/main" xmlns=""/>
+                <a14:useLocalDpi xmlns:a14="http://schemas.microsoft.com/office/drawing/2010/main"/>
               </a:ext>
             </a:extLst>
           </a:blip>
@@ -31700,14 +31700,14 @@
           <a:effectLst/>
           <a:extLst>
             <a:ext uri="{909E8E84-426E-40DD-AFC4-6F175D3DCCD1}">
-              <a14:hiddenFill xmlns:a14="http://schemas.microsoft.com/office/drawing/2010/main" xmlns="">
+              <a14:hiddenFill xmlns:a14="http://schemas.microsoft.com/office/drawing/2010/main">
                 <a:solidFill>
                   <a:schemeClr val="accent1"/>
                 </a:solidFill>
               </a14:hiddenFill>
             </a:ext>
             <a:ext uri="{91240B29-F687-4F45-9708-019B960494DF}">
-              <a14:hiddenLine xmlns:a14="http://schemas.microsoft.com/office/drawing/2010/main" xmlns="" w="9525">
+              <a14:hiddenLine xmlns:a14="http://schemas.microsoft.com/office/drawing/2010/main" w="9525">
                 <a:solidFill>
                   <a:schemeClr val="tx1"/>
                 </a:solidFill>
@@ -31717,7 +31717,7 @@
               </a14:hiddenLine>
             </a:ext>
             <a:ext uri="{AF507438-7753-43E0-B8FC-AC1667EBCBE1}">
-              <a14:hiddenEffects xmlns:a14="http://schemas.microsoft.com/office/drawing/2010/main" xmlns="">
+              <a14:hiddenEffects xmlns:a14="http://schemas.microsoft.com/office/drawing/2010/main">
                 <a:effectLst>
                   <a:outerShdw dist="35921" dir="2700000" algn="ctr" rotWithShape="0">
                     <a:schemeClr val="bg2"/>
@@ -31740,7 +31740,7 @@
           <a:blip r:embed="rId3" cstate="print">
             <a:extLst>
               <a:ext uri="{28A0092B-C50C-407E-A947-70E740481C1C}">
-                <a14:useLocalDpi xmlns:a14="http://schemas.microsoft.com/office/drawing/2010/main" xmlns=""/>
+                <a14:useLocalDpi xmlns:a14="http://schemas.microsoft.com/office/drawing/2010/main"/>
               </a:ext>
             </a:extLst>
           </a:blip>
@@ -31764,14 +31764,14 @@
           <a:effectLst/>
           <a:extLst>
             <a:ext uri="{909E8E84-426E-40DD-AFC4-6F175D3DCCD1}">
-              <a14:hiddenFill xmlns:a14="http://schemas.microsoft.com/office/drawing/2010/main" xmlns="">
+              <a14:hiddenFill xmlns:a14="http://schemas.microsoft.com/office/drawing/2010/main">
                 <a:solidFill>
                   <a:schemeClr val="accent1"/>
                 </a:solidFill>
               </a14:hiddenFill>
             </a:ext>
             <a:ext uri="{91240B29-F687-4F45-9708-019B960494DF}">
-              <a14:hiddenLine xmlns:a14="http://schemas.microsoft.com/office/drawing/2010/main" xmlns="" w="9525">
+              <a14:hiddenLine xmlns:a14="http://schemas.microsoft.com/office/drawing/2010/main" w="9525">
                 <a:solidFill>
                   <a:schemeClr val="tx1"/>
                 </a:solidFill>
@@ -31795,7 +31795,7 @@
           <a:blip r:embed="rId4" cstate="print">
             <a:extLst>
               <a:ext uri="{28A0092B-C50C-407E-A947-70E740481C1C}">
-                <a14:useLocalDpi xmlns:a14="http://schemas.microsoft.com/office/drawing/2010/main" xmlns=""/>
+                <a14:useLocalDpi xmlns:a14="http://schemas.microsoft.com/office/drawing/2010/main"/>
               </a:ext>
             </a:extLst>
           </a:blip>
@@ -31819,14 +31819,14 @@
           <a:effectLst/>
           <a:extLst>
             <a:ext uri="{909E8E84-426E-40DD-AFC4-6F175D3DCCD1}">
-              <a14:hiddenFill xmlns:a14="http://schemas.microsoft.com/office/drawing/2010/main" xmlns="">
+              <a14:hiddenFill xmlns:a14="http://schemas.microsoft.com/office/drawing/2010/main">
                 <a:solidFill>
                   <a:schemeClr val="accent1"/>
                 </a:solidFill>
               </a14:hiddenFill>
             </a:ext>
             <a:ext uri="{91240B29-F687-4F45-9708-019B960494DF}">
-              <a14:hiddenLine xmlns:a14="http://schemas.microsoft.com/office/drawing/2010/main" xmlns="" w="9525">
+              <a14:hiddenLine xmlns:a14="http://schemas.microsoft.com/office/drawing/2010/main" w="9525">
                 <a:solidFill>
                   <a:schemeClr val="tx1"/>
                 </a:solidFill>
@@ -31836,7 +31836,7 @@
               </a14:hiddenLine>
             </a:ext>
             <a:ext uri="{AF507438-7753-43E0-B8FC-AC1667EBCBE1}">
-              <a14:hiddenEffects xmlns:a14="http://schemas.microsoft.com/office/drawing/2010/main" xmlns="">
+              <a14:hiddenEffects xmlns:a14="http://schemas.microsoft.com/office/drawing/2010/main">
                 <a:effectLst>
                   <a:outerShdw dist="35921" dir="2700000" algn="ctr" rotWithShape="0">
                     <a:schemeClr val="bg2"/>
@@ -31850,7 +31850,7 @@
     </p:spTree>
     <p:extLst>
       <p:ext uri="{BB962C8B-B14F-4D97-AF65-F5344CB8AC3E}">
-        <p14:creationId xmlns:p14="http://schemas.microsoft.com/office/powerpoint/2010/main" xmlns="" val="884247712"/>
+        <p14:creationId xmlns:p14="http://schemas.microsoft.com/office/powerpoint/2010/main" val="884247712"/>
       </p:ext>
     </p:extLst>
   </p:cSld>
@@ -32214,18 +32214,18 @@
     </p:spTree>
     <p:extLst>
       <p:ext uri="{BB962C8B-B14F-4D97-AF65-F5344CB8AC3E}">
-        <p14:creationId xmlns:p14="http://schemas.microsoft.com/office/powerpoint/2010/main" xmlns="" val="1588191123"/>
+        <p14:creationId xmlns:p14="http://schemas.microsoft.com/office/powerpoint/2010/main" val="1588191123"/>
       </p:ext>
     </p:extLst>
   </p:cSld>
   <p:clrMapOvr>
     <a:masterClrMapping/>
   </p:clrMapOvr>
-  <mc:AlternateContent xmlns:mc="http://schemas.openxmlformats.org/markup-compatibility/2006">
-    <mc:Choice xmlns:p14="http://schemas.microsoft.com/office/powerpoint/2010/main" xmlns="" Requires="p14">
+  <mc:AlternateContent xmlns:mc="http://schemas.openxmlformats.org/markup-compatibility/2006" xmlns:p14="http://schemas.microsoft.com/office/powerpoint/2010/main">
+    <mc:Choice Requires="p14">
       <p:transition spd="slow" p14:dur="2000"/>
     </mc:Choice>
-    <mc:Fallback>
+    <mc:Fallback xmlns="">
       <p:transition spd="slow"/>
     </mc:Fallback>
   </mc:AlternateContent>
@@ -32479,18 +32479,18 @@
     </p:spTree>
     <p:extLst>
       <p:ext uri="{BB962C8B-B14F-4D97-AF65-F5344CB8AC3E}">
-        <p14:creationId xmlns:p14="http://schemas.microsoft.com/office/powerpoint/2010/main" xmlns="" val="3010414846"/>
+        <p14:creationId xmlns:p14="http://schemas.microsoft.com/office/powerpoint/2010/main" val="3010414846"/>
       </p:ext>
     </p:extLst>
   </p:cSld>
   <p:clrMapOvr>
     <a:masterClrMapping/>
   </p:clrMapOvr>
-  <mc:AlternateContent xmlns:mc="http://schemas.openxmlformats.org/markup-compatibility/2006">
-    <mc:Choice xmlns:p14="http://schemas.microsoft.com/office/powerpoint/2010/main" xmlns="" Requires="p14">
+  <mc:AlternateContent xmlns:mc="http://schemas.openxmlformats.org/markup-compatibility/2006" xmlns:p14="http://schemas.microsoft.com/office/powerpoint/2010/main">
+    <mc:Choice Requires="p14">
       <p:transition spd="slow" p14:dur="2000"/>
     </mc:Choice>
-    <mc:Fallback>
+    <mc:Fallback xmlns="">
       <p:transition spd="slow"/>
     </mc:Fallback>
   </mc:AlternateContent>
@@ -32755,18 +32755,18 @@
     </p:spTree>
     <p:extLst>
       <p:ext uri="{BB962C8B-B14F-4D97-AF65-F5344CB8AC3E}">
-        <p14:creationId xmlns:p14="http://schemas.microsoft.com/office/powerpoint/2010/main" xmlns="" val="3121331846"/>
+        <p14:creationId xmlns:p14="http://schemas.microsoft.com/office/powerpoint/2010/main" val="3121331846"/>
       </p:ext>
     </p:extLst>
   </p:cSld>
   <p:clrMapOvr>
     <a:masterClrMapping/>
   </p:clrMapOvr>
-  <mc:AlternateContent xmlns:mc="http://schemas.openxmlformats.org/markup-compatibility/2006">
-    <mc:Choice xmlns:p14="http://schemas.microsoft.com/office/powerpoint/2010/main" xmlns="" Requires="p14">
+  <mc:AlternateContent xmlns:mc="http://schemas.openxmlformats.org/markup-compatibility/2006" xmlns:p14="http://schemas.microsoft.com/office/powerpoint/2010/main">
+    <mc:Choice Requires="p14">
       <p:transition spd="slow" p14:dur="2000"/>
     </mc:Choice>
-    <mc:Fallback>
+    <mc:Fallback xmlns="">
       <p:transition spd="slow"/>
     </mc:Fallback>
   </mc:AlternateContent>
@@ -33537,18 +33537,18 @@
     </p:spTree>
     <p:extLst>
       <p:ext uri="{BB962C8B-B14F-4D97-AF65-F5344CB8AC3E}">
-        <p14:creationId xmlns:p14="http://schemas.microsoft.com/office/powerpoint/2010/main" xmlns="" val="3032409667"/>
+        <p14:creationId xmlns:p14="http://schemas.microsoft.com/office/powerpoint/2010/main" val="3032409667"/>
       </p:ext>
     </p:extLst>
   </p:cSld>
   <p:clrMapOvr>
     <a:masterClrMapping/>
   </p:clrMapOvr>
-  <mc:AlternateContent xmlns:mc="http://schemas.openxmlformats.org/markup-compatibility/2006">
-    <mc:Choice xmlns:p14="http://schemas.microsoft.com/office/powerpoint/2010/main" xmlns="" Requires="p14">
+  <mc:AlternateContent xmlns:mc="http://schemas.openxmlformats.org/markup-compatibility/2006" xmlns:p14="http://schemas.microsoft.com/office/powerpoint/2010/main">
+    <mc:Choice Requires="p14">
       <p:transition spd="slow" p14:dur="2000"/>
     </mc:Choice>
-    <mc:Fallback>
+    <mc:Fallback xmlns="">
       <p:transition spd="slow"/>
     </mc:Fallback>
   </mc:AlternateContent>
@@ -33653,7 +33653,7 @@
           <a:blip r:embed="rId3" cstate="print">
             <a:extLst>
               <a:ext uri="{28A0092B-C50C-407E-A947-70E740481C1C}">
-                <a14:useLocalDpi xmlns:a14="http://schemas.microsoft.com/office/drawing/2010/main" xmlns=""/>
+                <a14:useLocalDpi xmlns:a14="http://schemas.microsoft.com/office/drawing/2010/main"/>
               </a:ext>
             </a:extLst>
           </a:blip>
@@ -33677,14 +33677,14 @@
           <a:effectLst/>
           <a:extLst>
             <a:ext uri="{909E8E84-426E-40DD-AFC4-6F175D3DCCD1}">
-              <a14:hiddenFill xmlns:a14="http://schemas.microsoft.com/office/drawing/2010/main" xmlns="">
+              <a14:hiddenFill xmlns:a14="http://schemas.microsoft.com/office/drawing/2010/main">
                 <a:solidFill>
                   <a:schemeClr val="accent1"/>
                 </a:solidFill>
               </a14:hiddenFill>
             </a:ext>
             <a:ext uri="{91240B29-F687-4F45-9708-019B960494DF}">
-              <a14:hiddenLine xmlns:a14="http://schemas.microsoft.com/office/drawing/2010/main" xmlns="" w="9525">
+              <a14:hiddenLine xmlns:a14="http://schemas.microsoft.com/office/drawing/2010/main" w="9525">
                 <a:solidFill>
                   <a:schemeClr val="tx1"/>
                 </a:solidFill>
@@ -33694,7 +33694,7 @@
               </a14:hiddenLine>
             </a:ext>
             <a:ext uri="{AF507438-7753-43E0-B8FC-AC1667EBCBE1}">
-              <a14:hiddenEffects xmlns:a14="http://schemas.microsoft.com/office/drawing/2010/main" xmlns="">
+              <a14:hiddenEffects xmlns:a14="http://schemas.microsoft.com/office/drawing/2010/main">
                 <a:effectLst>
                   <a:outerShdw dist="35921" dir="2700000" algn="ctr" rotWithShape="0">
                     <a:schemeClr val="bg2"/>
@@ -33717,7 +33717,7 @@
           <a:blip r:embed="rId4" cstate="print">
             <a:extLst>
               <a:ext uri="{BEBA8EAE-BF5A-486C-A8C5-ECC9F3942E4B}">
-                <a14:imgProps xmlns:a14="http://schemas.microsoft.com/office/drawing/2010/main" xmlns="">
+                <a14:imgProps xmlns:a14="http://schemas.microsoft.com/office/drawing/2010/main">
                   <a14:imgLayer r:embed="rId5">
                     <a14:imgEffect>
                       <a14:backgroundRemoval t="0" b="100000" l="0" r="100000">
@@ -33773,7 +33773,7 @@
                 </a14:imgProps>
               </a:ext>
               <a:ext uri="{28A0092B-C50C-407E-A947-70E740481C1C}">
-                <a14:useLocalDpi xmlns:a14="http://schemas.microsoft.com/office/drawing/2010/main" xmlns=""/>
+                <a14:useLocalDpi xmlns:a14="http://schemas.microsoft.com/office/drawing/2010/main"/>
               </a:ext>
             </a:extLst>
           </a:blip>
@@ -33804,14 +33804,14 @@
           </a:effectLst>
           <a:extLst>
             <a:ext uri="{909E8E84-426E-40DD-AFC4-6F175D3DCCD1}">
-              <a14:hiddenFill xmlns:a14="http://schemas.microsoft.com/office/drawing/2010/main" xmlns="">
+              <a14:hiddenFill xmlns:a14="http://schemas.microsoft.com/office/drawing/2010/main">
                 <a:solidFill>
                   <a:schemeClr val="accent1"/>
                 </a:solidFill>
               </a14:hiddenFill>
             </a:ext>
             <a:ext uri="{91240B29-F687-4F45-9708-019B960494DF}">
-              <a14:hiddenLine xmlns:a14="http://schemas.microsoft.com/office/drawing/2010/main" xmlns="" w="9525">
+              <a14:hiddenLine xmlns:a14="http://schemas.microsoft.com/office/drawing/2010/main" w="9525">
                 <a:solidFill>
                   <a:schemeClr val="tx1"/>
                 </a:solidFill>
@@ -33835,7 +33835,7 @@
           <a:blip r:embed="rId6" cstate="print">
             <a:extLst>
               <a:ext uri="{28A0092B-C50C-407E-A947-70E740481C1C}">
-                <a14:useLocalDpi xmlns="" xmlns:a14="http://schemas.microsoft.com/office/drawing/2010/main" val="0"/>
+                <a14:useLocalDpi xmlns:a14="http://schemas.microsoft.com/office/drawing/2010/main" val="0"/>
               </a:ext>
             </a:extLst>
           </a:blip>
@@ -33878,14 +33878,14 @@
           </a:sp3d>
           <a:extLst>
             <a:ext uri="{909E8E84-426E-40DD-AFC4-6F175D3DCCD1}">
-              <a14:hiddenFill xmlns="" xmlns:a14="http://schemas.microsoft.com/office/drawing/2010/main">
+              <a14:hiddenFill xmlns:a14="http://schemas.microsoft.com/office/drawing/2010/main">
                 <a:solidFill>
                   <a:schemeClr val="accent1"/>
                 </a:solidFill>
               </a14:hiddenFill>
             </a:ext>
             <a:ext uri="{91240B29-F687-4F45-9708-019B960494DF}">
-              <a14:hiddenLine xmlns="" xmlns:a14="http://schemas.microsoft.com/office/drawing/2010/main" w="9525">
+              <a14:hiddenLine xmlns:a14="http://schemas.microsoft.com/office/drawing/2010/main" w="9525">
                 <a:solidFill>
                   <a:schemeClr val="tx1"/>
                 </a:solidFill>
@@ -33893,15 +33893,6 @@
                 <a:headEnd/>
                 <a:tailEnd/>
               </a14:hiddenLine>
-            </a:ext>
-            <a:ext uri="{AF507438-7753-43E0-B8FC-AC1667EBCBE1}">
-              <a14:hiddenEffects xmlns="" xmlns:a14="http://schemas.microsoft.com/office/drawing/2010/main">
-                <a:effectLst>
-                  <a:outerShdw dist="35921" dir="2700000" algn="ctr" rotWithShape="0">
-                    <a:schemeClr val="bg2"/>
-                  </a:outerShdw>
-                </a:effectLst>
-              </a14:hiddenEffects>
             </a:ext>
           </a:extLst>
         </p:spPr>
@@ -33909,18 +33900,18 @@
     </p:spTree>
     <p:extLst>
       <p:ext uri="{BB962C8B-B14F-4D97-AF65-F5344CB8AC3E}">
-        <p14:creationId xmlns:p14="http://schemas.microsoft.com/office/powerpoint/2010/main" xmlns="" val="2291688830"/>
+        <p14:creationId xmlns:p14="http://schemas.microsoft.com/office/powerpoint/2010/main" val="2291688830"/>
       </p:ext>
     </p:extLst>
   </p:cSld>
   <p:clrMapOvr>
     <a:masterClrMapping/>
   </p:clrMapOvr>
-  <mc:AlternateContent xmlns:mc="http://schemas.openxmlformats.org/markup-compatibility/2006">
-    <mc:Choice xmlns:p14="http://schemas.microsoft.com/office/powerpoint/2010/main" xmlns="" Requires="p14">
+  <mc:AlternateContent xmlns:mc="http://schemas.openxmlformats.org/markup-compatibility/2006" xmlns:p14="http://schemas.microsoft.com/office/powerpoint/2010/main">
+    <mc:Choice Requires="p14">
       <p:transition spd="slow" p14:dur="2000"/>
     </mc:Choice>
-    <mc:Fallback>
+    <mc:Fallback xmlns="">
       <p:transition spd="slow"/>
     </mc:Fallback>
   </mc:AlternateContent>
@@ -34452,18 +34443,18 @@
     </p:spTree>
     <p:extLst>
       <p:ext uri="{BB962C8B-B14F-4D97-AF65-F5344CB8AC3E}">
-        <p14:creationId xmlns:p14="http://schemas.microsoft.com/office/powerpoint/2010/main" xmlns="" val="268413597"/>
+        <p14:creationId xmlns:p14="http://schemas.microsoft.com/office/powerpoint/2010/main" val="268413597"/>
       </p:ext>
     </p:extLst>
   </p:cSld>
   <p:clrMapOvr>
     <a:masterClrMapping/>
   </p:clrMapOvr>
-  <mc:AlternateContent xmlns:mc="http://schemas.openxmlformats.org/markup-compatibility/2006">
-    <mc:Choice xmlns:p14="http://schemas.microsoft.com/office/powerpoint/2010/main" xmlns="" Requires="p14">
+  <mc:AlternateContent xmlns:mc="http://schemas.openxmlformats.org/markup-compatibility/2006" xmlns:p14="http://schemas.microsoft.com/office/powerpoint/2010/main">
+    <mc:Choice Requires="p14">
       <p:transition spd="slow" p14:dur="2000"/>
     </mc:Choice>
-    <mc:Fallback>
+    <mc:Fallback xmlns="">
       <p:transition spd="slow"/>
     </mc:Fallback>
   </mc:AlternateContent>
@@ -34535,7 +34526,7 @@
         </p:nvSpPr>
         <p:spPr>
           <a:xfrm>
-            <a:off x="323850" y="980728"/>
+            <a:off x="323850" y="836712"/>
             <a:ext cx="8496300" cy="5616624"/>
           </a:xfrm>
         </p:spPr>
@@ -34545,14 +34536,8 @@
           <a:p>
             <a:pPr>
               <a:lnSpc>
-                <a:spcPct val="100000"/>
-              </a:lnSpc>
-              <a:spcBef>
-                <a:spcPts val="300"/>
-              </a:spcBef>
-              <a:spcAft>
-                <a:spcPts val="400"/>
-              </a:spcAft>
+                <a:spcPct val="90000"/>
+              </a:lnSpc>
               <a:defRPr/>
             </a:pPr>
             <a:r>
@@ -34564,14 +34549,8 @@
           <a:p>
             <a:pPr>
               <a:lnSpc>
-                <a:spcPct val="100000"/>
-              </a:lnSpc>
-              <a:spcBef>
-                <a:spcPts val="300"/>
-              </a:spcBef>
-              <a:spcAft>
-                <a:spcPts val="400"/>
-              </a:spcAft>
+                <a:spcPct val="90000"/>
+              </a:lnSpc>
               <a:defRPr/>
             </a:pPr>
             <a:r>
@@ -34582,14 +34561,8 @@
           <a:p>
             <a:pPr marL="723900" lvl="1" indent="-368300">
               <a:lnSpc>
-                <a:spcPct val="100000"/>
-              </a:lnSpc>
-              <a:spcBef>
-                <a:spcPts val="300"/>
-              </a:spcBef>
-              <a:spcAft>
-                <a:spcPts val="400"/>
-              </a:spcAft>
+                <a:spcPct val="90000"/>
+              </a:lnSpc>
               <a:defRPr/>
             </a:pPr>
             <a:r>
@@ -34600,14 +34573,8 @@
           <a:p>
             <a:pPr marL="723900" lvl="1" indent="-368300">
               <a:lnSpc>
-                <a:spcPct val="100000"/>
-              </a:lnSpc>
-              <a:spcBef>
-                <a:spcPts val="300"/>
-              </a:spcBef>
-              <a:spcAft>
-                <a:spcPts val="400"/>
-              </a:spcAft>
+                <a:spcPct val="90000"/>
+              </a:lnSpc>
               <a:defRPr/>
             </a:pPr>
             <a:r>
@@ -34619,14 +34586,8 @@
           <a:p>
             <a:pPr marL="723900" lvl="1" indent="-368300">
               <a:lnSpc>
-                <a:spcPct val="100000"/>
-              </a:lnSpc>
-              <a:spcBef>
-                <a:spcPts val="300"/>
-              </a:spcBef>
-              <a:spcAft>
-                <a:spcPts val="400"/>
-              </a:spcAft>
+                <a:spcPct val="90000"/>
+              </a:lnSpc>
               <a:defRPr/>
             </a:pPr>
             <a:r>
@@ -34637,14 +34598,8 @@
           <a:p>
             <a:pPr>
               <a:lnSpc>
-                <a:spcPct val="100000"/>
-              </a:lnSpc>
-              <a:spcBef>
-                <a:spcPts val="300"/>
-              </a:spcBef>
-              <a:spcAft>
-                <a:spcPts val="400"/>
-              </a:spcAft>
+                <a:spcPct val="90000"/>
+              </a:lnSpc>
               <a:defRPr/>
             </a:pPr>
             <a:r>
@@ -34655,14 +34610,8 @@
           <a:p>
             <a:pPr>
               <a:lnSpc>
-                <a:spcPct val="100000"/>
-              </a:lnSpc>
-              <a:spcBef>
-                <a:spcPts val="300"/>
-              </a:spcBef>
-              <a:spcAft>
-                <a:spcPts val="400"/>
-              </a:spcAft>
+                <a:spcPct val="90000"/>
+              </a:lnSpc>
               <a:defRPr/>
             </a:pPr>
             <a:r>
@@ -34674,14 +34623,8 @@
           <a:p>
             <a:pPr marL="723900" lvl="1" indent="-368300">
               <a:lnSpc>
-                <a:spcPct val="100000"/>
-              </a:lnSpc>
-              <a:spcBef>
-                <a:spcPts val="300"/>
-              </a:spcBef>
-              <a:spcAft>
-                <a:spcPts val="400"/>
-              </a:spcAft>
+                <a:spcPct val="90000"/>
+              </a:lnSpc>
               <a:defRPr/>
             </a:pPr>
             <a:r>
@@ -34692,14 +34635,8 @@
           <a:p>
             <a:pPr marL="723900" lvl="1" indent="-368300">
               <a:lnSpc>
-                <a:spcPct val="100000"/>
-              </a:lnSpc>
-              <a:spcBef>
-                <a:spcPts val="300"/>
-              </a:spcBef>
-              <a:spcAft>
-                <a:spcPts val="400"/>
-              </a:spcAft>
+                <a:spcPct val="90000"/>
+              </a:lnSpc>
               <a:defRPr/>
             </a:pPr>
             <a:r>
@@ -34718,14 +34655,8 @@
           <a:p>
             <a:pPr>
               <a:lnSpc>
-                <a:spcPct val="100000"/>
-              </a:lnSpc>
-              <a:spcBef>
-                <a:spcPts val="300"/>
-              </a:spcBef>
-              <a:spcAft>
-                <a:spcPts val="400"/>
-              </a:spcAft>
+                <a:spcPct val="90000"/>
+              </a:lnSpc>
               <a:defRPr/>
             </a:pPr>
             <a:r>
@@ -34747,7 +34678,7 @@
           <a:blip r:embed="rId3" cstate="screen">
             <a:extLst>
               <a:ext uri="{28A0092B-C50C-407E-A947-70E740481C1C}">
-                <a14:useLocalDpi xmlns:a14="http://schemas.microsoft.com/office/drawing/2010/main" xmlns=""/>
+                <a14:useLocalDpi xmlns:a14="http://schemas.microsoft.com/office/drawing/2010/main"/>
               </a:ext>
             </a:extLst>
           </a:blip>
@@ -34838,11 +34769,11 @@
   <p:clrMapOvr>
     <a:masterClrMapping/>
   </p:clrMapOvr>
-  <mc:AlternateContent xmlns:mc="http://schemas.openxmlformats.org/markup-compatibility/2006">
-    <mc:Choice xmlns:p14="http://schemas.microsoft.com/office/powerpoint/2010/main" xmlns="" Requires="p14">
+  <mc:AlternateContent xmlns:mc="http://schemas.openxmlformats.org/markup-compatibility/2006" xmlns:p14="http://schemas.microsoft.com/office/powerpoint/2010/main">
+    <mc:Choice Requires="p14">
       <p:transition spd="slow" p14:dur="2000"/>
     </mc:Choice>
-    <mc:Fallback>
+    <mc:Fallback xmlns="">
       <p:transition spd="slow"/>
     </mc:Fallback>
   </mc:AlternateContent>
@@ -35589,18 +35520,18 @@
     </p:spTree>
     <p:extLst>
       <p:ext uri="{BB962C8B-B14F-4D97-AF65-F5344CB8AC3E}">
-        <p14:creationId xmlns:p14="http://schemas.microsoft.com/office/powerpoint/2010/main" xmlns="" val="1439416824"/>
+        <p14:creationId xmlns:p14="http://schemas.microsoft.com/office/powerpoint/2010/main" val="1439416824"/>
       </p:ext>
     </p:extLst>
   </p:cSld>
   <p:clrMapOvr>
     <a:masterClrMapping/>
   </p:clrMapOvr>
-  <mc:AlternateContent xmlns:mc="http://schemas.openxmlformats.org/markup-compatibility/2006">
-    <mc:Choice xmlns:p14="http://schemas.microsoft.com/office/powerpoint/2010/main" xmlns="" Requires="p14">
+  <mc:AlternateContent xmlns:mc="http://schemas.openxmlformats.org/markup-compatibility/2006" xmlns:p14="http://schemas.microsoft.com/office/powerpoint/2010/main">
+    <mc:Choice Requires="p14">
       <p:transition spd="slow" p14:dur="2000"/>
     </mc:Choice>
-    <mc:Fallback>
+    <mc:Fallback xmlns="">
       <p:transition spd="slow"/>
     </mc:Fallback>
   </mc:AlternateContent>
@@ -35693,7 +35624,7 @@
           <a:blip r:embed="rId3" cstate="print">
             <a:extLst>
               <a:ext uri="{28A0092B-C50C-407E-A947-70E740481C1C}">
-                <a14:useLocalDpi xmlns:a14="http://schemas.microsoft.com/office/drawing/2010/main" xmlns=""/>
+                <a14:useLocalDpi xmlns:a14="http://schemas.microsoft.com/office/drawing/2010/main"/>
               </a:ext>
             </a:extLst>
           </a:blip>
@@ -35717,7 +35648,7 @@
           </a:ln>
           <a:extLst>
             <a:ext uri="{909E8E84-426E-40DD-AFC4-6F175D3DCCD1}">
-              <a14:hiddenFill xmlns:a14="http://schemas.microsoft.com/office/drawing/2010/main" xmlns="">
+              <a14:hiddenFill xmlns:a14="http://schemas.microsoft.com/office/drawing/2010/main">
                 <a:solidFill>
                   <a:srgbClr val="FFFFFF">
                     <a:alpha val="30000"/>
@@ -35726,7 +35657,7 @@
               </a14:hiddenFill>
             </a:ext>
             <a:ext uri="{91240B29-F687-4F45-9708-019B960494DF}">
-              <a14:hiddenLine xmlns:a14="http://schemas.microsoft.com/office/drawing/2010/main" xmlns="" w="9525" cap="flat" cmpd="sng" algn="ctr">
+              <a14:hiddenLine xmlns:a14="http://schemas.microsoft.com/office/drawing/2010/main" w="9525" cap="flat" cmpd="sng" algn="ctr">
                 <a:solidFill>
                   <a:schemeClr val="tx1"/>
                 </a:solidFill>
@@ -35737,7 +35668,7 @@
               </a14:hiddenLine>
             </a:ext>
             <a:ext uri="{AF507438-7753-43E0-B8FC-AC1667EBCBE1}">
-              <a14:hiddenEffects xmlns:a14="http://schemas.microsoft.com/office/drawing/2010/main" xmlns="">
+              <a14:hiddenEffects xmlns:a14="http://schemas.microsoft.com/office/drawing/2010/main">
                 <a:effectLst>
                   <a:outerShdw dist="17961" dir="2700000" algn="ctr" rotWithShape="0">
                     <a:srgbClr val="FFFFFF"/>
@@ -35753,11 +35684,11 @@
   <p:clrMapOvr>
     <a:masterClrMapping/>
   </p:clrMapOvr>
-  <mc:AlternateContent xmlns:mc="http://schemas.openxmlformats.org/markup-compatibility/2006">
-    <mc:Choice xmlns:p14="http://schemas.microsoft.com/office/powerpoint/2010/main" xmlns="" Requires="p14">
+  <mc:AlternateContent xmlns:mc="http://schemas.openxmlformats.org/markup-compatibility/2006" xmlns:p14="http://schemas.microsoft.com/office/powerpoint/2010/main">
+    <mc:Choice Requires="p14">
       <p:transition spd="slow" p14:dur="2000"/>
     </mc:Choice>
-    <mc:Fallback>
+    <mc:Fallback xmlns="">
       <p:transition spd="slow"/>
     </mc:Fallback>
   </mc:AlternateContent>
@@ -35969,11 +35900,11 @@
   <p:clrMapOvr>
     <a:masterClrMapping/>
   </p:clrMapOvr>
-  <mc:AlternateContent xmlns:mc="http://schemas.openxmlformats.org/markup-compatibility/2006">
-    <mc:Choice xmlns:p14="http://schemas.microsoft.com/office/powerpoint/2010/main" xmlns="" Requires="p14">
+  <mc:AlternateContent xmlns:mc="http://schemas.openxmlformats.org/markup-compatibility/2006" xmlns:p14="http://schemas.microsoft.com/office/powerpoint/2010/main">
+    <mc:Choice Requires="p14">
       <p:transition spd="slow" p14:dur="2000"/>
     </mc:Choice>
-    <mc:Fallback>
+    <mc:Fallback xmlns="">
       <p:transition spd="slow"/>
     </mc:Fallback>
   </mc:AlternateContent>
@@ -36050,8 +35981,10 @@
             <a:off x="1547664" y="1177525"/>
             <a:ext cx="5904656" cy="5116282"/>
           </a:xfrm>
-          <a:prstGeom prst="rect">
-            <a:avLst/>
+          <a:prstGeom prst="roundRect">
+            <a:avLst>
+              <a:gd name="adj" fmla="val 1846"/>
+            </a:avLst>
           </a:prstGeom>
           <a:noFill/>
           <a:ln w="6350" algn="ctr">
@@ -36120,11 +36053,11 @@
   <p:clrMapOvr>
     <a:masterClrMapping/>
   </p:clrMapOvr>
-  <mc:AlternateContent xmlns:mc="http://schemas.openxmlformats.org/markup-compatibility/2006">
-    <mc:Choice xmlns:p14="http://schemas.microsoft.com/office/powerpoint/2010/main" xmlns="" Requires="p14">
+  <mc:AlternateContent xmlns:mc="http://schemas.openxmlformats.org/markup-compatibility/2006" xmlns:p14="http://schemas.microsoft.com/office/powerpoint/2010/main">
+    <mc:Choice Requires="p14">
       <p:transition spd="slow" p14:dur="2000"/>
     </mc:Choice>
-    <mc:Fallback>
+    <mc:Fallback xmlns="">
       <p:transition spd="slow"/>
     </mc:Fallback>
   </mc:AlternateContent>
@@ -36165,7 +36098,12 @@
             <p:ph type="title"/>
           </p:nvPr>
         </p:nvSpPr>
-        <p:spPr/>
+        <p:spPr>
+          <a:xfrm>
+            <a:off x="1828800" y="210344"/>
+            <a:ext cx="7086600" cy="914400"/>
+          </a:xfrm>
+        </p:spPr>
         <p:txBody>
           <a:bodyPr/>
           <a:lstStyle/>
@@ -36191,68 +36129,19 @@
             <p:ph idx="1"/>
           </p:nvPr>
         </p:nvSpPr>
-        <p:spPr/>
+        <p:spPr>
+          <a:xfrm>
+            <a:off x="228600" y="980728"/>
+            <a:ext cx="8686800" cy="5638800"/>
+          </a:xfrm>
+        </p:spPr>
         <p:txBody>
           <a:bodyPr/>
           <a:lstStyle/>
           <a:p>
             <a:pPr marL="450850" indent="-450850">
               <a:lnSpc>
-                <a:spcPct val="110000"/>
-              </a:lnSpc>
-              <a:spcBef>
-                <a:spcPts val="0"/>
-              </a:spcBef>
-              <a:spcAft>
-                <a:spcPts val="0"/>
-              </a:spcAft>
-              <a:defRPr/>
-            </a:pPr>
-            <a:r>
-              <a:rPr lang="en-US" dirty="0" smtClean="0"/>
-              <a:t>Page Framework Initialization:</a:t>
-            </a:r>
-          </a:p>
-          <a:p>
-            <a:pPr marL="762000" lvl="1" indent="-450850">
-              <a:lnSpc>
-                <a:spcPct val="110000"/>
-              </a:lnSpc>
-              <a:spcBef>
-                <a:spcPts val="0"/>
-              </a:spcBef>
-              <a:spcAft>
-                <a:spcPts val="0"/>
-              </a:spcAft>
-              <a:defRPr/>
-            </a:pPr>
-            <a:r>
-              <a:rPr lang="en-US" dirty="0" smtClean="0"/>
-              <a:t>Generates all the controls you have defined</a:t>
-            </a:r>
-          </a:p>
-          <a:p>
-            <a:pPr marL="1054100" lvl="2" indent="-450850">
-              <a:lnSpc>
-                <a:spcPct val="110000"/>
-              </a:lnSpc>
-              <a:spcBef>
-                <a:spcPts val="0"/>
-              </a:spcBef>
-              <a:spcAft>
-                <a:spcPts val="0"/>
-              </a:spcAft>
-              <a:defRPr/>
-            </a:pPr>
-            <a:r>
-              <a:rPr lang="en-US" sz="2600" dirty="0" smtClean="0"/>
-              <a:t>If page is postback, ASP.NET deserializes the view state information and applies it to the controls</a:t>
-            </a:r>
-          </a:p>
-          <a:p>
-            <a:pPr marL="901700" lvl="1" indent="-271463">
-              <a:lnSpc>
-                <a:spcPct val="110000"/>
+                <a:spcPct val="100000"/>
               </a:lnSpc>
               <a:spcBef>
                 <a:spcPts val="0"/>
@@ -36270,88 +36159,206 @@
                     <a:lumOff val="80000"/>
                   </a:schemeClr>
                 </a:solidFill>
-                <a:latin typeface="Consolas" pitchFamily="49" charset="0"/>
-                <a:cs typeface="Consolas" pitchFamily="49" charset="0"/>
-              </a:rPr>
-              <a:t>Page.Init</a:t>
+              </a:rPr>
+              <a:t>Page</a:t>
             </a:r>
             <a:r>
               <a:rPr lang="en-US" dirty="0" smtClean="0"/>
-              <a:t> Event fires</a:t>
-            </a:r>
-          </a:p>
-          <a:p>
-            <a:pPr marL="450850" indent="-450850">
-              <a:lnSpc>
-                <a:spcPct val="110000"/>
-              </a:lnSpc>
-              <a:spcBef>
-                <a:spcPts val="0"/>
-              </a:spcBef>
-              <a:spcAft>
-                <a:spcPts val="0"/>
-              </a:spcAft>
-              <a:defRPr/>
-            </a:pPr>
-            <a:r>
-              <a:rPr lang="en-US" dirty="0"/>
-              <a:t>User Code Initialization:</a:t>
-            </a:r>
-          </a:p>
-          <a:p>
-            <a:pPr marL="901700" lvl="1" indent="-271463">
-              <a:lnSpc>
-                <a:spcPct val="110000"/>
-              </a:lnSpc>
-              <a:spcBef>
-                <a:spcPts val="0"/>
-              </a:spcBef>
-              <a:spcAft>
-                <a:spcPts val="0"/>
-              </a:spcAft>
-              <a:defRPr/>
-            </a:pPr>
-            <a:r>
-              <a:rPr lang="en-US" dirty="0"/>
-              <a:t>Here you can perform any required initialization (</a:t>
-            </a:r>
-            <a:r>
-              <a:rPr lang="en-US" dirty="0" smtClean="0"/>
-              <a:t>e.g. </a:t>
-            </a:r>
-            <a:r>
-              <a:rPr lang="en-US" dirty="0"/>
-              <a:t>filling in dynamic text or configuring controls)</a:t>
-            </a:r>
-          </a:p>
-          <a:p>
-            <a:pPr marL="901700" lvl="1" indent="-271463">
-              <a:lnSpc>
-                <a:spcPct val="110000"/>
-              </a:lnSpc>
-              <a:spcBef>
-                <a:spcPts val="0"/>
-              </a:spcBef>
-              <a:spcAft>
-                <a:spcPts val="0"/>
-              </a:spcAft>
-              <a:defRPr/>
-            </a:pPr>
-            <a:r>
-              <a:rPr lang="en-US" dirty="0"/>
-              <a:t>Always fires </a:t>
-            </a:r>
-            <a:r>
-              <a:rPr lang="en-US" dirty="0">
+              <a:t> </a:t>
+            </a:r>
+            <a:r>
+              <a:rPr lang="en-US" dirty="0" smtClean="0">
                 <a:solidFill>
                   <a:schemeClr val="accent5">
                     <a:lumMod val="20000"/>
                     <a:lumOff val="80000"/>
                   </a:schemeClr>
                 </a:solidFill>
+              </a:rPr>
+              <a:t>Framework</a:t>
+            </a:r>
+            <a:r>
+              <a:rPr lang="en-US" dirty="0" smtClean="0"/>
+              <a:t> Initialization:</a:t>
+            </a:r>
+          </a:p>
+          <a:p>
+            <a:pPr marL="762000" lvl="1" indent="-450850">
+              <a:lnSpc>
+                <a:spcPct val="100000"/>
+              </a:lnSpc>
+              <a:spcBef>
+                <a:spcPts val="0"/>
+              </a:spcBef>
+              <a:spcAft>
+                <a:spcPts val="0"/>
+              </a:spcAft>
+              <a:defRPr/>
+            </a:pPr>
+            <a:r>
+              <a:rPr lang="en-US" dirty="0" smtClean="0"/>
+              <a:t>Generates all the controls you have defined</a:t>
+            </a:r>
+          </a:p>
+          <a:p>
+            <a:pPr marL="1054100" lvl="2" indent="-450850">
+              <a:lnSpc>
+                <a:spcPct val="100000"/>
+              </a:lnSpc>
+              <a:spcBef>
+                <a:spcPts val="0"/>
+              </a:spcBef>
+              <a:spcAft>
+                <a:spcPts val="0"/>
+              </a:spcAft>
+              <a:defRPr/>
+            </a:pPr>
+            <a:r>
+              <a:rPr lang="en-US" dirty="0" smtClean="0"/>
+              <a:t>If page is postback, ASP.NET deserializes the view state </a:t>
+            </a:r>
+            <a:r>
+              <a:rPr lang="en-US" dirty="0" smtClean="0"/>
+              <a:t>information and applies it </a:t>
+            </a:r>
+            <a:r>
+              <a:rPr lang="en-US" dirty="0" smtClean="0"/>
+              <a:t>to </a:t>
+            </a:r>
+            <a:r>
+              <a:rPr lang="en-US" dirty="0" smtClean="0"/>
+              <a:t>the controls</a:t>
+            </a:r>
+          </a:p>
+          <a:p>
+            <a:pPr marL="901700" lvl="1" indent="-271463">
+              <a:lnSpc>
+                <a:spcPct val="100000"/>
+              </a:lnSpc>
+              <a:spcBef>
+                <a:spcPts val="0"/>
+              </a:spcBef>
+              <a:spcAft>
+                <a:spcPts val="0"/>
+              </a:spcAft>
+              <a:defRPr/>
+            </a:pPr>
+            <a:r>
+              <a:rPr lang="en-US" dirty="0" smtClean="0">
+                <a:solidFill>
+                  <a:schemeClr val="accent5">
+                    <a:lumMod val="20000"/>
+                    <a:lumOff val="80000"/>
+                  </a:schemeClr>
+                </a:solidFill>
                 <a:latin typeface="Consolas" pitchFamily="49" charset="0"/>
                 <a:cs typeface="Consolas" pitchFamily="49" charset="0"/>
               </a:rPr>
+              <a:t>Page.Init</a:t>
+            </a:r>
+            <a:r>
+              <a:rPr lang="en-US" dirty="0" smtClean="0"/>
+              <a:t> Event fires</a:t>
+            </a:r>
+          </a:p>
+          <a:p>
+            <a:pPr marL="450850" indent="-450850">
+              <a:lnSpc>
+                <a:spcPct val="100000"/>
+              </a:lnSpc>
+              <a:spcBef>
+                <a:spcPts val="0"/>
+              </a:spcBef>
+              <a:spcAft>
+                <a:spcPts val="0"/>
+              </a:spcAft>
+              <a:defRPr/>
+            </a:pPr>
+            <a:r>
+              <a:rPr lang="en-US" dirty="0">
+                <a:solidFill>
+                  <a:schemeClr val="accent5">
+                    <a:lumMod val="20000"/>
+                    <a:lumOff val="80000"/>
+                  </a:schemeClr>
+                </a:solidFill>
+              </a:rPr>
+              <a:t>User</a:t>
+            </a:r>
+            <a:r>
+              <a:rPr lang="en-US" dirty="0"/>
+              <a:t> </a:t>
+            </a:r>
+            <a:r>
+              <a:rPr lang="en-US" dirty="0">
+                <a:solidFill>
+                  <a:schemeClr val="accent5">
+                    <a:lumMod val="20000"/>
+                    <a:lumOff val="80000"/>
+                  </a:schemeClr>
+                </a:solidFill>
+              </a:rPr>
+              <a:t>Code</a:t>
+            </a:r>
+            <a:r>
+              <a:rPr lang="en-US" dirty="0"/>
+              <a:t> Initialization:</a:t>
+            </a:r>
+          </a:p>
+          <a:p>
+            <a:pPr marL="901700" lvl="1" indent="-271463">
+              <a:lnSpc>
+                <a:spcPct val="100000"/>
+              </a:lnSpc>
+              <a:spcBef>
+                <a:spcPts val="0"/>
+              </a:spcBef>
+              <a:spcAft>
+                <a:spcPts val="0"/>
+              </a:spcAft>
+              <a:defRPr/>
+            </a:pPr>
+            <a:r>
+              <a:rPr lang="en-US" dirty="0"/>
+              <a:t>Here you can perform any required initialization (</a:t>
+            </a:r>
+            <a:r>
+              <a:rPr lang="en-US" dirty="0" smtClean="0"/>
+              <a:t>e.g. </a:t>
+            </a:r>
+            <a:r>
+              <a:rPr lang="en-US" dirty="0"/>
+              <a:t>filling in dynamic text or configuring controls)</a:t>
+            </a:r>
+          </a:p>
+          <a:p>
+            <a:pPr marL="901700" lvl="1" indent="-271463">
+              <a:lnSpc>
+                <a:spcPct val="100000"/>
+              </a:lnSpc>
+              <a:spcBef>
+                <a:spcPts val="0"/>
+              </a:spcBef>
+              <a:spcAft>
+                <a:spcPts val="0"/>
+              </a:spcAft>
+              <a:defRPr/>
+            </a:pPr>
+            <a:r>
+              <a:rPr lang="en-US" dirty="0"/>
+              <a:t>Always fires </a:t>
+            </a:r>
+            <a:r>
+              <a:rPr lang="en-US" dirty="0">
+                <a:solidFill>
+                  <a:schemeClr val="accent5">
+                    <a:lumMod val="20000"/>
+                    <a:lumOff val="80000"/>
+                  </a:schemeClr>
+                </a:solidFill>
+                <a:latin typeface="Consolas" pitchFamily="49" charset="0"/>
+                <a:cs typeface="Consolas" pitchFamily="49" charset="0"/>
+              </a:rPr>
               <a:t>Page.Load</a:t>
             </a:r>
             <a:r>
@@ -36362,7 +36369,7 @@
           <a:p>
             <a:pPr marL="1617663" lvl="2" indent="-457200">
               <a:lnSpc>
-                <a:spcPct val="110000"/>
+                <a:spcPct val="100000"/>
               </a:lnSpc>
               <a:spcBef>
                 <a:spcPts val="0"/>
@@ -36462,11 +36469,11 @@
   <p:clrMapOvr>
     <a:masterClrMapping/>
   </p:clrMapOvr>
-  <mc:AlternateContent xmlns:mc="http://schemas.openxmlformats.org/markup-compatibility/2006">
-    <mc:Choice xmlns:p14="http://schemas.microsoft.com/office/powerpoint/2010/main" xmlns="" Requires="p14">
+  <mc:AlternateContent xmlns:mc="http://schemas.openxmlformats.org/markup-compatibility/2006" xmlns:p14="http://schemas.microsoft.com/office/powerpoint/2010/main">
+    <mc:Choice Requires="p14">
       <p:transition spd="slow" p14:dur="2000"/>
     </mc:Choice>
-    <mc:Fallback>
+    <mc:Fallback xmlns="">
       <p:transition spd="slow"/>
     </mc:Fallback>
   </mc:AlternateContent>
@@ -36742,11 +36749,11 @@
   <p:clrMapOvr>
     <a:masterClrMapping/>
   </p:clrMapOvr>
-  <mc:AlternateContent xmlns:mc="http://schemas.openxmlformats.org/markup-compatibility/2006">
-    <mc:Choice xmlns:p14="http://schemas.microsoft.com/office/powerpoint/2010/main" xmlns="" Requires="p14">
+  <mc:AlternateContent xmlns:mc="http://schemas.openxmlformats.org/markup-compatibility/2006" xmlns:p14="http://schemas.microsoft.com/office/powerpoint/2010/main">
+    <mc:Choice Requires="p14">
       <p:transition spd="slow" p14:dur="2000"/>
     </mc:Choice>
-    <mc:Fallback>
+    <mc:Fallback xmlns="">
       <p:transition spd="slow"/>
     </mc:Fallback>
   </mc:AlternateContent>
@@ -37012,7 +37019,7 @@
           <a:blip r:embed="rId3" cstate="print">
             <a:extLst>
               <a:ext uri="{28A0092B-C50C-407E-A947-70E740481C1C}">
-                <a14:useLocalDpi xmlns:a14="http://schemas.microsoft.com/office/drawing/2010/main" xmlns=""/>
+                <a14:useLocalDpi xmlns:a14="http://schemas.microsoft.com/office/drawing/2010/main"/>
               </a:ext>
             </a:extLst>
           </a:blip>
@@ -37043,14 +37050,14 @@
           </a:effectLst>
           <a:extLst>
             <a:ext uri="{909E8E84-426E-40DD-AFC4-6F175D3DCCD1}">
-              <a14:hiddenFill xmlns:a14="http://schemas.microsoft.com/office/drawing/2010/main" xmlns="">
+              <a14:hiddenFill xmlns:a14="http://schemas.microsoft.com/office/drawing/2010/main">
                 <a:solidFill>
                   <a:schemeClr val="accent1"/>
                 </a:solidFill>
               </a14:hiddenFill>
             </a:ext>
             <a:ext uri="{91240B29-F687-4F45-9708-019B960494DF}">
-              <a14:hiddenLine xmlns:a14="http://schemas.microsoft.com/office/drawing/2010/main" xmlns="" w="9525">
+              <a14:hiddenLine xmlns:a14="http://schemas.microsoft.com/office/drawing/2010/main" w="9525">
                 <a:solidFill>
                   <a:schemeClr val="tx1"/>
                 </a:solidFill>
@@ -37117,11 +37124,11 @@
   <p:clrMapOvr>
     <a:masterClrMapping/>
   </p:clrMapOvr>
-  <mc:AlternateContent xmlns:mc="http://schemas.openxmlformats.org/markup-compatibility/2006">
-    <mc:Choice xmlns:p14="http://schemas.microsoft.com/office/powerpoint/2010/main" xmlns="" Requires="p14">
+  <mc:AlternateContent xmlns:mc="http://schemas.openxmlformats.org/markup-compatibility/2006" xmlns:p14="http://schemas.microsoft.com/office/powerpoint/2010/main">
+    <mc:Choice Requires="p14">
       <p:transition spd="slow" p14:dur="2000"/>
     </mc:Choice>
-    <mc:Fallback>
+    <mc:Fallback xmlns="">
       <p:transition spd="slow"/>
     </mc:Fallback>
   </mc:AlternateContent>
@@ -37232,7 +37239,7 @@
           <a:blip r:embed="rId3" cstate="print">
             <a:extLst>
               <a:ext uri="{28A0092B-C50C-407E-A947-70E740481C1C}">
-                <a14:useLocalDpi xmlns:a14="http://schemas.microsoft.com/office/drawing/2010/main" xmlns=""/>
+                <a14:useLocalDpi xmlns:a14="http://schemas.microsoft.com/office/drawing/2010/main"/>
               </a:ext>
             </a:extLst>
           </a:blip>
@@ -37256,14 +37263,14 @@
           <a:effectLst/>
           <a:extLst>
             <a:ext uri="{909E8E84-426E-40DD-AFC4-6F175D3DCCD1}">
-              <a14:hiddenFill xmlns:a14="http://schemas.microsoft.com/office/drawing/2010/main" xmlns="">
+              <a14:hiddenFill xmlns:a14="http://schemas.microsoft.com/office/drawing/2010/main">
                 <a:solidFill>
                   <a:schemeClr val="accent1"/>
                 </a:solidFill>
               </a14:hiddenFill>
             </a:ext>
             <a:ext uri="{91240B29-F687-4F45-9708-019B960494DF}">
-              <a14:hiddenLine xmlns:a14="http://schemas.microsoft.com/office/drawing/2010/main" xmlns="" w="9525">
+              <a14:hiddenLine xmlns:a14="http://schemas.microsoft.com/office/drawing/2010/main" w="9525">
                 <a:solidFill>
                   <a:schemeClr val="tx1"/>
                 </a:solidFill>
@@ -37273,7 +37280,7 @@
               </a14:hiddenLine>
             </a:ext>
             <a:ext uri="{AF507438-7753-43E0-B8FC-AC1667EBCBE1}">
-              <a14:hiddenEffects xmlns:a14="http://schemas.microsoft.com/office/drawing/2010/main" xmlns="">
+              <a14:hiddenEffects xmlns:a14="http://schemas.microsoft.com/office/drawing/2010/main">
                 <a:effectLst>
                   <a:outerShdw dist="35921" dir="2700000" algn="ctr" rotWithShape="0">
                     <a:schemeClr val="bg2"/>
@@ -37296,7 +37303,7 @@
           <a:blip r:embed="rId4" cstate="screen">
             <a:extLst>
               <a:ext uri="{28A0092B-C50C-407E-A947-70E740481C1C}">
-                <a14:useLocalDpi xmlns:a14="http://schemas.microsoft.com/office/drawing/2010/main" xmlns=""/>
+                <a14:useLocalDpi xmlns:a14="http://schemas.microsoft.com/office/drawing/2010/main"/>
               </a:ext>
             </a:extLst>
           </a:blip>
@@ -37322,14 +37329,14 @@
           <a:effectLst/>
           <a:extLst>
             <a:ext uri="{909E8E84-426E-40DD-AFC4-6F175D3DCCD1}">
-              <a14:hiddenFill xmlns:a14="http://schemas.microsoft.com/office/drawing/2010/main" xmlns="">
+              <a14:hiddenFill xmlns:a14="http://schemas.microsoft.com/office/drawing/2010/main">
                 <a:solidFill>
                   <a:schemeClr val="accent1"/>
                 </a:solidFill>
               </a14:hiddenFill>
             </a:ext>
             <a:ext uri="{91240B29-F687-4F45-9708-019B960494DF}">
-              <a14:hiddenLine xmlns:a14="http://schemas.microsoft.com/office/drawing/2010/main" xmlns="" w="9525">
+              <a14:hiddenLine xmlns:a14="http://schemas.microsoft.com/office/drawing/2010/main" w="9525">
                 <a:solidFill>
                   <a:schemeClr val="tx1"/>
                 </a:solidFill>
@@ -37339,7 +37346,7 @@
               </a14:hiddenLine>
             </a:ext>
             <a:ext uri="{AF507438-7753-43E0-B8FC-AC1667EBCBE1}">
-              <a14:hiddenEffects xmlns:a14="http://schemas.microsoft.com/office/drawing/2010/main" xmlns="">
+              <a14:hiddenEffects xmlns:a14="http://schemas.microsoft.com/office/drawing/2010/main">
                 <a:effectLst>
                   <a:outerShdw dist="35921" dir="2700000" algn="ctr" rotWithShape="0">
                     <a:schemeClr val="bg2"/>
@@ -37355,11 +37362,11 @@
   <p:clrMapOvr>
     <a:masterClrMapping/>
   </p:clrMapOvr>
-  <mc:AlternateContent xmlns:mc="http://schemas.openxmlformats.org/markup-compatibility/2006">
-    <mc:Choice xmlns:p14="http://schemas.microsoft.com/office/powerpoint/2010/main" xmlns="" Requires="p14">
+  <mc:AlternateContent xmlns:mc="http://schemas.openxmlformats.org/markup-compatibility/2006" xmlns:p14="http://schemas.microsoft.com/office/powerpoint/2010/main">
+    <mc:Choice Requires="p14">
       <p:transition spd="slow" p14:dur="2000"/>
     </mc:Choice>
-    <mc:Fallback>
+    <mc:Fallback xmlns="">
       <p:transition spd="slow"/>
     </mc:Fallback>
   </mc:AlternateContent>
@@ -37451,7 +37458,7 @@
           <a:blip r:embed="rId3" cstate="print">
             <a:extLst>
               <a:ext uri="{28A0092B-C50C-407E-A947-70E740481C1C}">
-                <a14:useLocalDpi xmlns:a14="http://schemas.microsoft.com/office/drawing/2010/main" xmlns=""/>
+                <a14:useLocalDpi xmlns:a14="http://schemas.microsoft.com/office/drawing/2010/main"/>
               </a:ext>
             </a:extLst>
           </a:blip>
@@ -37477,14 +37484,14 @@
           <a:effectLst/>
           <a:extLst>
             <a:ext uri="{909E8E84-426E-40DD-AFC4-6F175D3DCCD1}">
-              <a14:hiddenFill xmlns:a14="http://schemas.microsoft.com/office/drawing/2010/main" xmlns="">
+              <a14:hiddenFill xmlns:a14="http://schemas.microsoft.com/office/drawing/2010/main">
                 <a:solidFill>
                   <a:schemeClr val="accent1"/>
                 </a:solidFill>
               </a14:hiddenFill>
             </a:ext>
             <a:ext uri="{91240B29-F687-4F45-9708-019B960494DF}">
-              <a14:hiddenLine xmlns:a14="http://schemas.microsoft.com/office/drawing/2010/main" xmlns="" w="9525">
+              <a14:hiddenLine xmlns:a14="http://schemas.microsoft.com/office/drawing/2010/main" w="9525">
                 <a:solidFill>
                   <a:schemeClr val="tx1"/>
                 </a:solidFill>
@@ -37494,7 +37501,7 @@
               </a14:hiddenLine>
             </a:ext>
             <a:ext uri="{AF507438-7753-43E0-B8FC-AC1667EBCBE1}">
-              <a14:hiddenEffects xmlns:a14="http://schemas.microsoft.com/office/drawing/2010/main" xmlns="">
+              <a14:hiddenEffects xmlns:a14="http://schemas.microsoft.com/office/drawing/2010/main">
                 <a:effectLst>
                   <a:outerShdw dist="35921" dir="2700000" algn="ctr" rotWithShape="0">
                     <a:schemeClr val="bg2"/>
@@ -37510,11 +37517,11 @@
   <p:clrMapOvr>
     <a:masterClrMapping/>
   </p:clrMapOvr>
-  <mc:AlternateContent xmlns:mc="http://schemas.openxmlformats.org/markup-compatibility/2006">
-    <mc:Choice xmlns:p14="http://schemas.microsoft.com/office/powerpoint/2010/main" xmlns="" Requires="p14">
+  <mc:AlternateContent xmlns:mc="http://schemas.openxmlformats.org/markup-compatibility/2006" xmlns:p14="http://schemas.microsoft.com/office/powerpoint/2010/main">
+    <mc:Choice Requires="p14">
       <p:transition spd="slow" p14:dur="2000"/>
     </mc:Choice>
-    <mc:Fallback>
+    <mc:Fallback xmlns="">
       <p:transition spd="slow"/>
     </mc:Fallback>
   </mc:AlternateContent>
@@ -37593,8 +37600,19 @@
               <a:defRPr/>
             </a:pPr>
             <a:r>
+              <a:rPr lang="en-US" dirty="0" smtClean="0">
+                <a:solidFill>
+                  <a:schemeClr val="accent5">
+                    <a:lumMod val="20000"/>
+                    <a:lumOff val="80000"/>
+                  </a:schemeClr>
+                </a:solidFill>
+              </a:rPr>
+              <a:t>HTTP</a:t>
+            </a:r>
+            <a:r>
               <a:rPr lang="en-US" dirty="0" smtClean="0"/>
-              <a:t>HTTP is a</a:t>
+              <a:t> is a</a:t>
             </a:r>
             <a:r>
               <a:rPr lang="bg-BG" dirty="0" smtClean="0"/>
@@ -37655,11 +37673,25 @@
               <a:defRPr/>
             </a:pPr>
             <a:r>
-              <a:rPr lang="en-US" dirty="0" smtClean="0"/>
+              <a:rPr lang="en-US" dirty="0" smtClean="0">
+                <a:solidFill>
+                  <a:schemeClr val="accent5">
+                    <a:lumMod val="20000"/>
+                    <a:lumOff val="80000"/>
+                  </a:schemeClr>
+                </a:solidFill>
+              </a:rPr>
               <a:t>ASP.NET</a:t>
             </a:r>
             <a:r>
-              <a:rPr lang="bg-BG" dirty="0" smtClean="0"/>
+              <a:rPr lang="bg-BG" dirty="0" smtClean="0">
+                <a:solidFill>
+                  <a:schemeClr val="accent5">
+                    <a:lumMod val="20000"/>
+                    <a:lumOff val="80000"/>
+                  </a:schemeClr>
+                </a:solidFill>
+              </a:rPr>
               <a:t> </a:t>
             </a:r>
             <a:r>
@@ -37725,11 +37757,11 @@
   <p:clrMapOvr>
     <a:masterClrMapping/>
   </p:clrMapOvr>
-  <mc:AlternateContent xmlns:mc="http://schemas.openxmlformats.org/markup-compatibility/2006">
-    <mc:Choice xmlns:p14="http://schemas.microsoft.com/office/powerpoint/2010/main" xmlns="" Requires="p14">
+  <mc:AlternateContent xmlns:mc="http://schemas.openxmlformats.org/markup-compatibility/2006" xmlns:p14="http://schemas.microsoft.com/office/powerpoint/2010/main">
+    <mc:Choice Requires="p14">
       <p:transition spd="slow" p14:dur="2000"/>
     </mc:Choice>
-    <mc:Fallback>
+    <mc:Fallback xmlns="">
       <p:transition spd="slow"/>
     </mc:Fallback>
   </mc:AlternateContent>
@@ -37835,7 +37867,7 @@
           <a:blip r:embed="rId2" cstate="print">
             <a:extLst>
               <a:ext uri="{28A0092B-C50C-407E-A947-70E740481C1C}">
-                <a14:useLocalDpi xmlns:a14="http://schemas.microsoft.com/office/drawing/2010/main" xmlns=""/>
+                <a14:useLocalDpi xmlns:a14="http://schemas.microsoft.com/office/drawing/2010/main"/>
               </a:ext>
             </a:extLst>
           </a:blip>
@@ -37861,14 +37893,14 @@
           <a:effectLst/>
           <a:extLst>
             <a:ext uri="{909E8E84-426E-40DD-AFC4-6F175D3DCCD1}">
-              <a14:hiddenFill xmlns:a14="http://schemas.microsoft.com/office/drawing/2010/main" xmlns="">
+              <a14:hiddenFill xmlns:a14="http://schemas.microsoft.com/office/drawing/2010/main">
                 <a:solidFill>
                   <a:schemeClr val="accent1"/>
                 </a:solidFill>
               </a14:hiddenFill>
             </a:ext>
             <a:ext uri="{91240B29-F687-4F45-9708-019B960494DF}">
-              <a14:hiddenLine xmlns:a14="http://schemas.microsoft.com/office/drawing/2010/main" xmlns="" w="9525">
+              <a14:hiddenLine xmlns:a14="http://schemas.microsoft.com/office/drawing/2010/main" w="9525">
                 <a:solidFill>
                   <a:schemeClr val="tx1"/>
                 </a:solidFill>
@@ -37878,7 +37910,7 @@
               </a14:hiddenLine>
             </a:ext>
             <a:ext uri="{AF507438-7753-43E0-B8FC-AC1667EBCBE1}">
-              <a14:hiddenEffects xmlns:a14="http://schemas.microsoft.com/office/drawing/2010/main" xmlns="">
+              <a14:hiddenEffects xmlns:a14="http://schemas.microsoft.com/office/drawing/2010/main">
                 <a:effectLst>
                   <a:outerShdw dist="35921" dir="2700000" algn="ctr" rotWithShape="0">
                     <a:schemeClr val="bg2"/>
@@ -37901,7 +37933,7 @@
           <a:blip r:embed="rId3" cstate="print">
             <a:extLst>
               <a:ext uri="{28A0092B-C50C-407E-A947-70E740481C1C}">
-                <a14:useLocalDpi xmlns:a14="http://schemas.microsoft.com/office/drawing/2010/main" xmlns=""/>
+                <a14:useLocalDpi xmlns:a14="http://schemas.microsoft.com/office/drawing/2010/main"/>
               </a:ext>
             </a:extLst>
           </a:blip>
@@ -37932,14 +37964,14 @@
           </a:effectLst>
           <a:extLst>
             <a:ext uri="{909E8E84-426E-40DD-AFC4-6F175D3DCCD1}">
-              <a14:hiddenFill xmlns:a14="http://schemas.microsoft.com/office/drawing/2010/main" xmlns="">
+              <a14:hiddenFill xmlns:a14="http://schemas.microsoft.com/office/drawing/2010/main">
                 <a:solidFill>
                   <a:schemeClr val="accent1"/>
                 </a:solidFill>
               </a14:hiddenFill>
             </a:ext>
             <a:ext uri="{91240B29-F687-4F45-9708-019B960494DF}">
-              <a14:hiddenLine xmlns:a14="http://schemas.microsoft.com/office/drawing/2010/main" xmlns="" w="9525">
+              <a14:hiddenLine xmlns:a14="http://schemas.microsoft.com/office/drawing/2010/main" w="9525">
                 <a:solidFill>
                   <a:schemeClr val="tx1"/>
                 </a:solidFill>
@@ -37949,7 +37981,7 @@
               </a14:hiddenLine>
             </a:ext>
             <a:ext uri="{AF507438-7753-43E0-B8FC-AC1667EBCBE1}">
-              <a14:hiddenEffects xmlns:a14="http://schemas.microsoft.com/office/drawing/2010/main" xmlns="">
+              <a14:hiddenEffects xmlns:a14="http://schemas.microsoft.com/office/drawing/2010/main">
                 <a:effectLst>
                   <a:outerShdw dist="35921" dir="2700000" algn="ctr" rotWithShape="0">
                     <a:schemeClr val="bg2"/>
@@ -37972,7 +38004,7 @@
           <a:blip r:embed="rId4" cstate="print">
             <a:extLst>
               <a:ext uri="{28A0092B-C50C-407E-A947-70E740481C1C}">
-                <a14:useLocalDpi xmlns:a14="http://schemas.microsoft.com/office/drawing/2010/main" xmlns=""/>
+                <a14:useLocalDpi xmlns:a14="http://schemas.microsoft.com/office/drawing/2010/main"/>
               </a:ext>
             </a:extLst>
           </a:blip>
@@ -37998,14 +38030,14 @@
           <a:effectLst/>
           <a:extLst>
             <a:ext uri="{909E8E84-426E-40DD-AFC4-6F175D3DCCD1}">
-              <a14:hiddenFill xmlns:a14="http://schemas.microsoft.com/office/drawing/2010/main" xmlns="">
+              <a14:hiddenFill xmlns:a14="http://schemas.microsoft.com/office/drawing/2010/main">
                 <a:solidFill>
                   <a:schemeClr val="accent1"/>
                 </a:solidFill>
               </a14:hiddenFill>
             </a:ext>
             <a:ext uri="{91240B29-F687-4F45-9708-019B960494DF}">
-              <a14:hiddenLine xmlns:a14="http://schemas.microsoft.com/office/drawing/2010/main" xmlns="" w="9525">
+              <a14:hiddenLine xmlns:a14="http://schemas.microsoft.com/office/drawing/2010/main" w="9525">
                 <a:solidFill>
                   <a:schemeClr val="tx1"/>
                 </a:solidFill>
@@ -38015,7 +38047,7 @@
               </a14:hiddenLine>
             </a:ext>
             <a:ext uri="{AF507438-7753-43E0-B8FC-AC1667EBCBE1}">
-              <a14:hiddenEffects xmlns:a14="http://schemas.microsoft.com/office/drawing/2010/main" xmlns="">
+              <a14:hiddenEffects xmlns:a14="http://schemas.microsoft.com/office/drawing/2010/main">
                 <a:effectLst>
                   <a:outerShdw dist="35921" dir="2700000" algn="ctr" rotWithShape="0">
                     <a:schemeClr val="bg2"/>
@@ -38029,7 +38061,7 @@
     </p:spTree>
     <p:extLst>
       <p:ext uri="{BB962C8B-B14F-4D97-AF65-F5344CB8AC3E}">
-        <p14:creationId xmlns:p14="http://schemas.microsoft.com/office/powerpoint/2010/main" xmlns="" val="490923154"/>
+        <p14:creationId xmlns:p14="http://schemas.microsoft.com/office/powerpoint/2010/main" val="490923154"/>
       </p:ext>
     </p:extLst>
   </p:cSld>
@@ -38189,7 +38221,7 @@
           <a:blip r:embed="rId2" cstate="print">
             <a:extLst>
               <a:ext uri="{28A0092B-C50C-407E-A947-70E740481C1C}">
-                <a14:useLocalDpi xmlns:a14="http://schemas.microsoft.com/office/drawing/2010/main" xmlns=""/>
+                <a14:useLocalDpi xmlns:a14="http://schemas.microsoft.com/office/drawing/2010/main"/>
               </a:ext>
             </a:extLst>
           </a:blip>
@@ -38215,14 +38247,14 @@
           <a:effectLst/>
           <a:extLst>
             <a:ext uri="{909E8E84-426E-40DD-AFC4-6F175D3DCCD1}">
-              <a14:hiddenFill xmlns:a14="http://schemas.microsoft.com/office/drawing/2010/main" xmlns="">
+              <a14:hiddenFill xmlns:a14="http://schemas.microsoft.com/office/drawing/2010/main">
                 <a:solidFill>
                   <a:schemeClr val="accent1"/>
                 </a:solidFill>
               </a14:hiddenFill>
             </a:ext>
             <a:ext uri="{91240B29-F687-4F45-9708-019B960494DF}">
-              <a14:hiddenLine xmlns:a14="http://schemas.microsoft.com/office/drawing/2010/main" xmlns="" w="9525">
+              <a14:hiddenLine xmlns:a14="http://schemas.microsoft.com/office/drawing/2010/main" w="9525">
                 <a:solidFill>
                   <a:schemeClr val="tx1"/>
                 </a:solidFill>
@@ -38232,7 +38264,7 @@
               </a14:hiddenLine>
             </a:ext>
             <a:ext uri="{AF507438-7753-43E0-B8FC-AC1667EBCBE1}">
-              <a14:hiddenEffects xmlns:a14="http://schemas.microsoft.com/office/drawing/2010/main" xmlns="">
+              <a14:hiddenEffects xmlns:a14="http://schemas.microsoft.com/office/drawing/2010/main">
                 <a:effectLst>
                   <a:outerShdw dist="35921" dir="2700000" algn="ctr" rotWithShape="0">
                     <a:schemeClr val="bg2"/>
@@ -38296,7 +38328,7 @@
     </p:spTree>
     <p:extLst>
       <p:ext uri="{BB962C8B-B14F-4D97-AF65-F5344CB8AC3E}">
-        <p14:creationId xmlns:p14="http://schemas.microsoft.com/office/powerpoint/2010/main" xmlns="" val="2980593824"/>
+        <p14:creationId xmlns:p14="http://schemas.microsoft.com/office/powerpoint/2010/main" val="2980593824"/>
       </p:ext>
     </p:extLst>
   </p:cSld>
@@ -38400,7 +38432,7 @@
           <a:blip r:embed="rId2" cstate="print">
             <a:extLst>
               <a:ext uri="{28A0092B-C50C-407E-A947-70E740481C1C}">
-                <a14:useLocalDpi xmlns:a14="http://schemas.microsoft.com/office/drawing/2010/main" xmlns=""/>
+                <a14:useLocalDpi xmlns:a14="http://schemas.microsoft.com/office/drawing/2010/main"/>
               </a:ext>
             </a:extLst>
           </a:blip>
@@ -38429,14 +38461,14 @@
           </a:effectLst>
           <a:extLst>
             <a:ext uri="{909E8E84-426E-40DD-AFC4-6F175D3DCCD1}">
-              <a14:hiddenFill xmlns:a14="http://schemas.microsoft.com/office/drawing/2010/main" xmlns="">
+              <a14:hiddenFill xmlns:a14="http://schemas.microsoft.com/office/drawing/2010/main">
                 <a:solidFill>
                   <a:schemeClr val="accent1"/>
                 </a:solidFill>
               </a14:hiddenFill>
             </a:ext>
             <a:ext uri="{91240B29-F687-4F45-9708-019B960494DF}">
-              <a14:hiddenLine xmlns:a14="http://schemas.microsoft.com/office/drawing/2010/main" xmlns="" w="9525">
+              <a14:hiddenLine xmlns:a14="http://schemas.microsoft.com/office/drawing/2010/main" w="9525">
                 <a:solidFill>
                   <a:schemeClr val="tx1"/>
                 </a:solidFill>
@@ -38460,7 +38492,7 @@
           <a:blip r:embed="rId3" cstate="print">
             <a:extLst>
               <a:ext uri="{28A0092B-C50C-407E-A947-70E740481C1C}">
-                <a14:useLocalDpi xmlns:a14="http://schemas.microsoft.com/office/drawing/2010/main" xmlns=""/>
+                <a14:useLocalDpi xmlns:a14="http://schemas.microsoft.com/office/drawing/2010/main"/>
               </a:ext>
             </a:extLst>
           </a:blip>
@@ -38486,14 +38518,14 @@
           <a:effectLst/>
           <a:extLst>
             <a:ext uri="{909E8E84-426E-40DD-AFC4-6F175D3DCCD1}">
-              <a14:hiddenFill xmlns:a14="http://schemas.microsoft.com/office/drawing/2010/main" xmlns="">
+              <a14:hiddenFill xmlns:a14="http://schemas.microsoft.com/office/drawing/2010/main">
                 <a:solidFill>
                   <a:schemeClr val="accent1"/>
                 </a:solidFill>
               </a14:hiddenFill>
             </a:ext>
             <a:ext uri="{91240B29-F687-4F45-9708-019B960494DF}">
-              <a14:hiddenLine xmlns:a14="http://schemas.microsoft.com/office/drawing/2010/main" xmlns="" w="9525">
+              <a14:hiddenLine xmlns:a14="http://schemas.microsoft.com/office/drawing/2010/main" w="9525">
                 <a:solidFill>
                   <a:schemeClr val="tx1"/>
                 </a:solidFill>
@@ -38503,7 +38535,7 @@
               </a14:hiddenLine>
             </a:ext>
             <a:ext uri="{AF507438-7753-43E0-B8FC-AC1667EBCBE1}">
-              <a14:hiddenEffects xmlns:a14="http://schemas.microsoft.com/office/drawing/2010/main" xmlns="">
+              <a14:hiddenEffects xmlns:a14="http://schemas.microsoft.com/office/drawing/2010/main">
                 <a:effectLst>
                   <a:outerShdw dist="35921" dir="2700000" algn="ctr" rotWithShape="0">
                     <a:schemeClr val="bg2"/>
@@ -38517,7 +38549,7 @@
     </p:spTree>
     <p:extLst>
       <p:ext uri="{BB962C8B-B14F-4D97-AF65-F5344CB8AC3E}">
-        <p14:creationId xmlns:p14="http://schemas.microsoft.com/office/powerpoint/2010/main" xmlns="" val="593624293"/>
+        <p14:creationId xmlns:p14="http://schemas.microsoft.com/office/powerpoint/2010/main" val="593624293"/>
       </p:ext>
     </p:extLst>
   </p:cSld>
@@ -38599,12 +38631,8 @@
               <a:defRPr/>
             </a:pPr>
             <a:r>
-              <a:rPr lang="en-US" smtClean="0"/>
-              <a:t>ViewState keeps </a:t>
-            </a:r>
-            <a:r>
               <a:rPr lang="en-US" dirty="0" smtClean="0"/>
-              <a:t>the state of the controls over several consecutive requests to the same page </a:t>
+              <a:t>ViewState keeps the state of the controls over several consecutive requests to the same page </a:t>
             </a:r>
             <a:r>
               <a:rPr lang="bg-BG" dirty="0" smtClean="0"/>
@@ -39293,18 +39321,18 @@
     </p:spTree>
     <p:extLst>
       <p:ext uri="{BB962C8B-B14F-4D97-AF65-F5344CB8AC3E}">
-        <p14:creationId xmlns:p14="http://schemas.microsoft.com/office/powerpoint/2010/main" xmlns="" val="1722446728"/>
+        <p14:creationId xmlns:p14="http://schemas.microsoft.com/office/powerpoint/2010/main" val="1722446728"/>
       </p:ext>
     </p:extLst>
   </p:cSld>
   <p:clrMapOvr>
     <a:masterClrMapping/>
   </p:clrMapOvr>
-  <mc:AlternateContent xmlns:mc="http://schemas.openxmlformats.org/markup-compatibility/2006">
-    <mc:Choice xmlns:p14="http://schemas.microsoft.com/office/powerpoint/2010/main" xmlns="" Requires="p14">
+  <mc:AlternateContent xmlns:mc="http://schemas.openxmlformats.org/markup-compatibility/2006" xmlns:p14="http://schemas.microsoft.com/office/powerpoint/2010/main">
+    <mc:Choice Requires="p14">
       <p:transition spd="slow" p14:dur="2000"/>
     </mc:Choice>
-    <mc:Fallback>
+    <mc:Fallback xmlns="">
       <p:transition spd="slow"/>
     </mc:Fallback>
   </mc:AlternateContent>
@@ -39933,18 +39961,18 @@
     </p:spTree>
     <p:extLst>
       <p:ext uri="{BB962C8B-B14F-4D97-AF65-F5344CB8AC3E}">
-        <p14:creationId xmlns:p14="http://schemas.microsoft.com/office/powerpoint/2010/main" xmlns="" val="2892066626"/>
+        <p14:creationId xmlns:p14="http://schemas.microsoft.com/office/powerpoint/2010/main" val="2892066626"/>
       </p:ext>
     </p:extLst>
   </p:cSld>
   <p:clrMapOvr>
     <a:masterClrMapping/>
   </p:clrMapOvr>
-  <mc:AlternateContent xmlns:mc="http://schemas.openxmlformats.org/markup-compatibility/2006">
-    <mc:Choice xmlns:p14="http://schemas.microsoft.com/office/powerpoint/2010/main" xmlns="" Requires="p14">
+  <mc:AlternateContent xmlns:mc="http://schemas.openxmlformats.org/markup-compatibility/2006" xmlns:p14="http://schemas.microsoft.com/office/powerpoint/2010/main">
+    <mc:Choice Requires="p14">
       <p:transition spd="slow" p14:dur="2000"/>
     </mc:Choice>
-    <mc:Fallback>
+    <mc:Fallback xmlns="">
       <p:transition spd="slow"/>
     </mc:Fallback>
   </mc:AlternateContent>
@@ -41147,18 +41175,18 @@
     </p:spTree>
     <p:extLst>
       <p:ext uri="{BB962C8B-B14F-4D97-AF65-F5344CB8AC3E}">
-        <p14:creationId xmlns:p14="http://schemas.microsoft.com/office/powerpoint/2010/main" xmlns="" val="1529766939"/>
+        <p14:creationId xmlns:p14="http://schemas.microsoft.com/office/powerpoint/2010/main" val="1529766939"/>
       </p:ext>
     </p:extLst>
   </p:cSld>
   <p:clrMapOvr>
     <a:masterClrMapping/>
   </p:clrMapOvr>
-  <mc:AlternateContent xmlns:mc="http://schemas.openxmlformats.org/markup-compatibility/2006">
-    <mc:Choice xmlns:p14="http://schemas.microsoft.com/office/powerpoint/2010/main" xmlns="" Requires="p14">
+  <mc:AlternateContent xmlns:mc="http://schemas.openxmlformats.org/markup-compatibility/2006" xmlns:p14="http://schemas.microsoft.com/office/powerpoint/2010/main">
+    <mc:Choice Requires="p14">
       <p:transition spd="slow" p14:dur="2000"/>
     </mc:Choice>
-    <mc:Fallback>
+    <mc:Fallback xmlns="">
       <p:transition spd="slow"/>
     </mc:Fallback>
   </mc:AlternateContent>
@@ -41270,7 +41298,7 @@
           <a:blip r:embed="rId2" cstate="print">
             <a:extLst>
               <a:ext uri="{28A0092B-C50C-407E-A947-70E740481C1C}">
-                <a14:useLocalDpi xmlns:a14="http://schemas.microsoft.com/office/drawing/2010/main" xmlns=""/>
+                <a14:useLocalDpi xmlns:a14="http://schemas.microsoft.com/office/drawing/2010/main"/>
               </a:ext>
             </a:extLst>
           </a:blip>
@@ -41294,14 +41322,14 @@
           <a:effectLst/>
           <a:extLst>
             <a:ext uri="{909E8E84-426E-40DD-AFC4-6F175D3DCCD1}">
-              <a14:hiddenFill xmlns:a14="http://schemas.microsoft.com/office/drawing/2010/main" xmlns="">
+              <a14:hiddenFill xmlns:a14="http://schemas.microsoft.com/office/drawing/2010/main">
                 <a:solidFill>
                   <a:schemeClr val="accent1"/>
                 </a:solidFill>
               </a14:hiddenFill>
             </a:ext>
             <a:ext uri="{91240B29-F687-4F45-9708-019B960494DF}">
-              <a14:hiddenLine xmlns:a14="http://schemas.microsoft.com/office/drawing/2010/main" xmlns="" w="9525">
+              <a14:hiddenLine xmlns:a14="http://schemas.microsoft.com/office/drawing/2010/main" w="9525">
                 <a:solidFill>
                   <a:schemeClr val="tx1"/>
                 </a:solidFill>
@@ -41311,7 +41339,7 @@
               </a14:hiddenLine>
             </a:ext>
             <a:ext uri="{AF507438-7753-43E0-B8FC-AC1667EBCBE1}">
-              <a14:hiddenEffects xmlns:a14="http://schemas.microsoft.com/office/drawing/2010/main" xmlns="">
+              <a14:hiddenEffects xmlns:a14="http://schemas.microsoft.com/office/drawing/2010/main">
                 <a:effectLst>
                   <a:outerShdw dist="35921" dir="2700000" algn="ctr" rotWithShape="0">
                     <a:schemeClr val="bg2"/>
@@ -41325,7 +41353,7 @@
     </p:spTree>
     <p:extLst>
       <p:ext uri="{BB962C8B-B14F-4D97-AF65-F5344CB8AC3E}">
-        <p14:creationId xmlns:p14="http://schemas.microsoft.com/office/powerpoint/2010/main" xmlns="" val="2895051715"/>
+        <p14:creationId xmlns:p14="http://schemas.microsoft.com/office/powerpoint/2010/main" val="2895051715"/>
       </p:ext>
     </p:extLst>
   </p:cSld>
@@ -41410,7 +41438,49 @@
               <a:rPr lang="en-US" dirty="0" smtClean="0">
                 <a:latin typeface="+mj-lt"/>
               </a:rPr>
-              <a:t>The application state is shared storage of information at application level</a:t>
+              <a:t>The </a:t>
+            </a:r>
+            <a:r>
+              <a:rPr lang="en-US" dirty="0" smtClean="0">
+                <a:solidFill>
+                  <a:schemeClr val="accent5">
+                    <a:lumMod val="20000"/>
+                    <a:lumOff val="80000"/>
+                  </a:schemeClr>
+                </a:solidFill>
+                <a:latin typeface="+mj-lt"/>
+              </a:rPr>
+              <a:t>Application</a:t>
+            </a:r>
+            <a:r>
+              <a:rPr lang="en-US" dirty="0" smtClean="0">
+                <a:latin typeface="+mj-lt"/>
+              </a:rPr>
+              <a:t> </a:t>
+            </a:r>
+            <a:r>
+              <a:rPr lang="en-US" dirty="0" smtClean="0">
+                <a:solidFill>
+                  <a:schemeClr val="accent5">
+                    <a:lumMod val="20000"/>
+                    <a:lumOff val="80000"/>
+                  </a:schemeClr>
+                </a:solidFill>
+                <a:latin typeface="+mj-lt"/>
+              </a:rPr>
+              <a:t>State</a:t>
+            </a:r>
+            <a:r>
+              <a:rPr lang="en-US" dirty="0" smtClean="0">
+                <a:latin typeface="+mj-lt"/>
+              </a:rPr>
+              <a:t> </a:t>
+            </a:r>
+            <a:r>
+              <a:rPr lang="en-US" dirty="0" smtClean="0">
+                <a:latin typeface="+mj-lt"/>
+              </a:rPr>
+              <a:t>is shared storage of information at application level</a:t>
             </a:r>
           </a:p>
           <a:p>
@@ -42333,7 +42403,7 @@
           <a:blip r:embed="rId3" cstate="print">
             <a:extLst>
               <a:ext uri="{28A0092B-C50C-407E-A947-70E740481C1C}">
-                <a14:useLocalDpi xmlns:a14="http://schemas.microsoft.com/office/drawing/2010/main" xmlns=""/>
+                <a14:useLocalDpi xmlns:a14="http://schemas.microsoft.com/office/drawing/2010/main"/>
               </a:ext>
             </a:extLst>
           </a:blip>
@@ -42360,14 +42430,14 @@
           </a:effectLst>
           <a:extLst>
             <a:ext uri="{909E8E84-426E-40DD-AFC4-6F175D3DCCD1}">
-              <a14:hiddenFill xmlns:a14="http://schemas.microsoft.com/office/drawing/2010/main" xmlns="">
+              <a14:hiddenFill xmlns:a14="http://schemas.microsoft.com/office/drawing/2010/main">
                 <a:solidFill>
                   <a:schemeClr val="accent1"/>
                 </a:solidFill>
               </a14:hiddenFill>
             </a:ext>
             <a:ext uri="{91240B29-F687-4F45-9708-019B960494DF}">
-              <a14:hiddenLine xmlns:a14="http://schemas.microsoft.com/office/drawing/2010/main" xmlns="" w="9525">
+              <a14:hiddenLine xmlns:a14="http://schemas.microsoft.com/office/drawing/2010/main" w="9525">
                 <a:solidFill>
                   <a:schemeClr val="tx1"/>
                 </a:solidFill>
@@ -42424,11 +42494,11 @@
   <p:clrMapOvr>
     <a:masterClrMapping/>
   </p:clrMapOvr>
-  <mc:AlternateContent xmlns:mc="http://schemas.openxmlformats.org/markup-compatibility/2006">
-    <mc:Choice xmlns:p14="http://schemas.microsoft.com/office/powerpoint/2010/main" xmlns="" Requires="p14">
+  <mc:AlternateContent xmlns:mc="http://schemas.openxmlformats.org/markup-compatibility/2006" xmlns:p14="http://schemas.microsoft.com/office/powerpoint/2010/main">
+    <mc:Choice Requires="p14">
       <p:transition spd="slow" p14:dur="2000"/>
     </mc:Choice>
-    <mc:Fallback>
+    <mc:Fallback xmlns="">
       <p:transition spd="slow"/>
     </mc:Fallback>
   </mc:AlternateContent>
@@ -42469,7 +42539,12 @@
             <p:ph type="title"/>
           </p:nvPr>
         </p:nvSpPr>
-        <p:spPr/>
+        <p:spPr>
+          <a:xfrm>
+            <a:off x="1828800" y="138336"/>
+            <a:ext cx="7086600" cy="914400"/>
+          </a:xfrm>
+        </p:spPr>
         <p:txBody>
           <a:bodyPr/>
           <a:lstStyle/>
@@ -42497,8 +42572,8 @@
         </p:nvSpPr>
         <p:spPr>
           <a:xfrm>
-            <a:off x="228600" y="1052736"/>
-            <a:ext cx="8686800" cy="5652864"/>
+            <a:off x="228600" y="836712"/>
+            <a:ext cx="8686800" cy="5832648"/>
           </a:xfrm>
         </p:spPr>
         <p:txBody>
@@ -42507,112 +42582,13 @@
           <a:p>
             <a:pPr marL="450850" indent="-450850">
               <a:lnSpc>
-                <a:spcPct val="100000"/>
-              </a:lnSpc>
-              <a:spcBef>
-                <a:spcPts val="300"/>
-              </a:spcBef>
+                <a:spcPct val="90000"/>
+              </a:lnSpc>
               <a:defRPr/>
             </a:pPr>
             <a:r>
               <a:rPr lang="en-US" dirty="0" smtClean="0"/>
-              <a:t>Storage of information at user level</a:t>
-            </a:r>
-            <a:r>
-              <a:rPr lang="bg-BG" dirty="0" smtClean="0"/>
-              <a:t> (</a:t>
-            </a:r>
-            <a:r>
-              <a:rPr lang="en-US" dirty="0" smtClean="0"/>
-              <a:t>different one for each user</a:t>
-            </a:r>
-            <a:r>
-              <a:rPr lang="bg-BG" dirty="0" smtClean="0"/>
-              <a:t>)</a:t>
-            </a:r>
-          </a:p>
-          <a:p>
-            <a:pPr marL="450850" indent="-450850">
-              <a:lnSpc>
-                <a:spcPct val="100000"/>
-              </a:lnSpc>
-              <a:spcBef>
-                <a:spcPts val="300"/>
-              </a:spcBef>
-              <a:defRPr/>
-            </a:pPr>
-            <a:r>
-              <a:rPr lang="en-US" dirty="0" smtClean="0"/>
-              <a:t>The session is active:</a:t>
-            </a:r>
-          </a:p>
-          <a:p>
-            <a:pPr marL="901700" lvl="1" indent="-271463">
-              <a:lnSpc>
-                <a:spcPct val="100000"/>
-              </a:lnSpc>
-              <a:spcBef>
-                <a:spcPts val="300"/>
-              </a:spcBef>
-              <a:defRPr/>
-            </a:pPr>
-            <a:r>
-              <a:rPr lang="en-US" dirty="0" smtClean="0"/>
-              <a:t>Till the user closes the browser or</a:t>
-            </a:r>
-          </a:p>
-          <a:p>
-            <a:pPr marL="901700" lvl="1" indent="-271463">
-              <a:lnSpc>
-                <a:spcPct val="100000"/>
-              </a:lnSpc>
-              <a:spcBef>
-                <a:spcPts val="300"/>
-              </a:spcBef>
-              <a:defRPr/>
-            </a:pPr>
-            <a:r>
-              <a:rPr lang="en-US" dirty="0" smtClean="0"/>
-              <a:t>A certain period expires</a:t>
-            </a:r>
-            <a:r>
-              <a:rPr lang="bg-BG" dirty="0" smtClean="0"/>
-              <a:t> (20 </a:t>
-            </a:r>
-            <a:r>
-              <a:rPr lang="en-US" dirty="0" smtClean="0"/>
-              <a:t>minutes for example</a:t>
-            </a:r>
-            <a:r>
-              <a:rPr lang="bg-BG" dirty="0" smtClean="0"/>
-              <a:t>)</a:t>
-            </a:r>
-          </a:p>
-          <a:p>
-            <a:pPr marL="450850" indent="-450850">
-              <a:lnSpc>
-                <a:spcPct val="100000"/>
-              </a:lnSpc>
-              <a:spcBef>
-                <a:spcPts val="300"/>
-              </a:spcBef>
-              <a:defRPr/>
-            </a:pPr>
-            <a:r>
-              <a:rPr lang="en-US" dirty="0" smtClean="0"/>
-              <a:t>Every session</a:t>
-            </a:r>
-            <a:r>
-              <a:rPr lang="bg-BG" dirty="0" smtClean="0"/>
-              <a:t> </a:t>
-            </a:r>
-            <a:r>
-              <a:rPr lang="en-US" dirty="0" smtClean="0"/>
-              <a:t>is identified by a unique</a:t>
-            </a:r>
-            <a:r>
-              <a:rPr lang="bg-BG" dirty="0" smtClean="0"/>
-              <a:t> </a:t>
+              <a:t>What is a </a:t>
             </a:r>
             <a:r>
               <a:rPr lang="en-US" dirty="0" smtClean="0">
@@ -42622,6 +42598,155 @@
                     <a:lumOff val="80000"/>
                   </a:schemeClr>
                 </a:solidFill>
+              </a:rPr>
+              <a:t>Session</a:t>
+            </a:r>
+            <a:r>
+              <a:rPr lang="en-US" dirty="0" smtClean="0"/>
+              <a:t> </a:t>
+            </a:r>
+            <a:r>
+              <a:rPr lang="en-US" dirty="0" smtClean="0">
+                <a:solidFill>
+                  <a:schemeClr val="accent5">
+                    <a:lumMod val="20000"/>
+                    <a:lumOff val="80000"/>
+                  </a:schemeClr>
+                </a:solidFill>
+              </a:rPr>
+              <a:t>State</a:t>
+            </a:r>
+            <a:r>
+              <a:rPr lang="en-US" dirty="0" smtClean="0"/>
+              <a:t>?</a:t>
+            </a:r>
+          </a:p>
+          <a:p>
+            <a:pPr marL="798513" lvl="1" indent="-450850">
+              <a:lnSpc>
+                <a:spcPct val="90000"/>
+              </a:lnSpc>
+              <a:defRPr/>
+            </a:pPr>
+            <a:r>
+              <a:rPr lang="en-US" dirty="0" smtClean="0"/>
+              <a:t>Storage </a:t>
+            </a:r>
+            <a:r>
+              <a:rPr lang="en-US" dirty="0" smtClean="0"/>
+              <a:t>of information at user level</a:t>
+            </a:r>
+            <a:r>
+              <a:rPr lang="bg-BG" dirty="0" smtClean="0"/>
+              <a:t> (</a:t>
+            </a:r>
+            <a:r>
+              <a:rPr lang="en-US" dirty="0" smtClean="0"/>
+              <a:t>different one for each user</a:t>
+            </a:r>
+            <a:r>
+              <a:rPr lang="bg-BG" dirty="0" smtClean="0"/>
+              <a:t>)</a:t>
+            </a:r>
+          </a:p>
+          <a:p>
+            <a:pPr marL="450850" indent="-450850">
+              <a:lnSpc>
+                <a:spcPct val="90000"/>
+              </a:lnSpc>
+              <a:defRPr/>
+            </a:pPr>
+            <a:r>
+              <a:rPr lang="en-US" dirty="0" smtClean="0"/>
+              <a:t>The </a:t>
+            </a:r>
+            <a:r>
+              <a:rPr lang="en-US" dirty="0" smtClean="0">
+                <a:solidFill>
+                  <a:schemeClr val="accent5">
+                    <a:lumMod val="20000"/>
+                    <a:lumOff val="80000"/>
+                  </a:schemeClr>
+                </a:solidFill>
+              </a:rPr>
+              <a:t>Session</a:t>
+            </a:r>
+            <a:r>
+              <a:rPr lang="en-US" dirty="0" smtClean="0"/>
+              <a:t> is </a:t>
+            </a:r>
+            <a:r>
+              <a:rPr lang="en-US" dirty="0" smtClean="0"/>
+              <a:t>active:</a:t>
+            </a:r>
+          </a:p>
+          <a:p>
+            <a:pPr marL="901700" lvl="1" indent="-271463">
+              <a:lnSpc>
+                <a:spcPct val="90000"/>
+              </a:lnSpc>
+              <a:defRPr/>
+            </a:pPr>
+            <a:r>
+              <a:rPr lang="en-US" dirty="0" smtClean="0"/>
+              <a:t>Till the user closes the browser or</a:t>
+            </a:r>
+          </a:p>
+          <a:p>
+            <a:pPr marL="901700" lvl="1" indent="-271463">
+              <a:lnSpc>
+                <a:spcPct val="90000"/>
+              </a:lnSpc>
+              <a:defRPr/>
+            </a:pPr>
+            <a:r>
+              <a:rPr lang="en-US" dirty="0" smtClean="0"/>
+              <a:t>A certain period expires</a:t>
+            </a:r>
+            <a:r>
+              <a:rPr lang="bg-BG" dirty="0" smtClean="0"/>
+              <a:t> (20 </a:t>
+            </a:r>
+            <a:r>
+              <a:rPr lang="en-US" dirty="0" smtClean="0"/>
+              <a:t>minutes for example</a:t>
+            </a:r>
+            <a:r>
+              <a:rPr lang="bg-BG" dirty="0" smtClean="0"/>
+              <a:t>)</a:t>
+            </a:r>
+          </a:p>
+          <a:p>
+            <a:pPr marL="450850" indent="-450850">
+              <a:lnSpc>
+                <a:spcPct val="90000"/>
+              </a:lnSpc>
+              <a:defRPr/>
+            </a:pPr>
+            <a:r>
+              <a:rPr lang="en-US" dirty="0" smtClean="0"/>
+              <a:t>Every session</a:t>
+            </a:r>
+            <a:r>
+              <a:rPr lang="bg-BG" dirty="0" smtClean="0"/>
+              <a:t> </a:t>
+            </a:r>
+            <a:r>
+              <a:rPr lang="en-US" dirty="0" smtClean="0"/>
+              <a:t>is identified by a unique</a:t>
+            </a:r>
+            <a:r>
+              <a:rPr lang="bg-BG" dirty="0" smtClean="0"/>
+              <a:t> </a:t>
+            </a:r>
+            <a:r>
+              <a:rPr lang="en-US" dirty="0" smtClean="0">
+                <a:solidFill>
+                  <a:schemeClr val="accent5">
+                    <a:lumMod val="20000"/>
+                    <a:lumOff val="80000"/>
+                  </a:schemeClr>
+                </a:solidFill>
                 <a:latin typeface="Consolas" pitchFamily="49" charset="0"/>
                 <a:cs typeface="Consolas" pitchFamily="49" charset="0"/>
               </a:rPr>
@@ -42631,11 +42756,8 @@
           <a:p>
             <a:pPr marL="901700" lvl="1" indent="-271463">
               <a:lnSpc>
-                <a:spcPct val="100000"/>
-              </a:lnSpc>
-              <a:spcBef>
-                <a:spcPts val="300"/>
-              </a:spcBef>
+                <a:spcPct val="90000"/>
+              </a:lnSpc>
               <a:defRPr/>
             </a:pPr>
             <a:r>
@@ -42654,11 +42776,8 @@
           <a:p>
             <a:pPr marL="901700" lvl="1" indent="-271463">
               <a:lnSpc>
-                <a:spcPct val="100000"/>
-              </a:lnSpc>
-              <a:spcBef>
-                <a:spcPts val="300"/>
-              </a:spcBef>
+                <a:spcPct val="90000"/>
+              </a:lnSpc>
               <a:defRPr/>
             </a:pPr>
             <a:r>
@@ -42753,11 +42872,11 @@
   <p:clrMapOvr>
     <a:masterClrMapping/>
   </p:clrMapOvr>
-  <mc:AlternateContent xmlns:mc="http://schemas.openxmlformats.org/markup-compatibility/2006">
-    <mc:Choice xmlns:p14="http://schemas.microsoft.com/office/powerpoint/2010/main" xmlns="" Requires="p14">
+  <mc:AlternateContent xmlns:mc="http://schemas.openxmlformats.org/markup-compatibility/2006" xmlns:p14="http://schemas.microsoft.com/office/powerpoint/2010/main">
+    <mc:Choice Requires="p14">
       <p:transition spd="slow" p14:dur="2000"/>
     </mc:Choice>
-    <mc:Fallback>
+    <mc:Fallback xmlns="">
       <p:transition spd="slow"/>
     </mc:Fallback>
   </mc:AlternateContent>
@@ -42833,7 +42952,7 @@
         </p:nvSpPr>
         <p:spPr>
           <a:xfrm>
-            <a:off x="368300" y="908721"/>
+            <a:off x="368300" y="836712"/>
             <a:ext cx="8485188" cy="5688632"/>
           </a:xfrm>
         </p:spPr>
@@ -43261,11 +43380,11 @@
   <p:clrMapOvr>
     <a:masterClrMapping/>
   </p:clrMapOvr>
-  <mc:AlternateContent xmlns:mc="http://schemas.openxmlformats.org/markup-compatibility/2006">
-    <mc:Choice xmlns:p14="http://schemas.microsoft.com/office/powerpoint/2010/main" xmlns="" Requires="p14">
+  <mc:AlternateContent xmlns:mc="http://schemas.openxmlformats.org/markup-compatibility/2006" xmlns:p14="http://schemas.microsoft.com/office/powerpoint/2010/main">
+    <mc:Choice Requires="p14">
       <p:transition spd="slow" p14:dur="2000"/>
     </mc:Choice>
-    <mc:Fallback>
+    <mc:Fallback xmlns="">
       <p:transition spd="slow"/>
     </mc:Fallback>
   </mc:AlternateContent>
@@ -43604,15 +43723,15 @@
             </a:pPr>
             <a:r>
               <a:rPr lang="en-US" dirty="0" smtClean="0"/>
-              <a:t>To deny/restrict </a:t>
-            </a:r>
-            <a:r>
-              <a:rPr lang="bg-BG" dirty="0" smtClean="0"/>
-              <a:t> </a:t>
+              <a:t>To </a:t>
             </a:r>
             <a:r>
               <a:rPr lang="en-US" dirty="0" smtClean="0"/>
-              <a:t>access to the session</a:t>
+              <a:t>deny/restrict access </a:t>
+            </a:r>
+            <a:r>
+              <a:rPr lang="en-US" dirty="0" smtClean="0"/>
+              <a:t>to the session</a:t>
             </a:r>
           </a:p>
         </p:txBody>
@@ -44547,11 +44666,11 @@
   <p:clrMapOvr>
     <a:masterClrMapping/>
   </p:clrMapOvr>
-  <mc:AlternateContent xmlns:mc="http://schemas.openxmlformats.org/markup-compatibility/2006">
-    <mc:Choice xmlns:p14="http://schemas.microsoft.com/office/powerpoint/2010/main" xmlns="" Requires="p14">
+  <mc:AlternateContent xmlns:mc="http://schemas.openxmlformats.org/markup-compatibility/2006" xmlns:p14="http://schemas.microsoft.com/office/powerpoint/2010/main">
+    <mc:Choice Requires="p14">
       <p:transition spd="slow" p14:dur="2000"/>
     </mc:Choice>
-    <mc:Fallback>
+    <mc:Fallback xmlns="">
       <p:transition spd="slow"/>
     </mc:Fallback>
   </mc:AlternateContent>
@@ -44726,8 +44845,8 @@
         </p:nvSpPr>
         <p:spPr>
           <a:xfrm>
-            <a:off x="755576" y="4293096"/>
-            <a:ext cx="7632848" cy="1631216"/>
+            <a:off x="755576" y="4005064"/>
+            <a:ext cx="7632848" cy="1785104"/>
           </a:xfrm>
           <a:prstGeom prst="rect">
             <a:avLst/>
@@ -44995,7 +45114,7 @@
               <a:defRPr/>
             </a:pPr>
             <a:r>
-              <a:rPr lang="en-US" noProof="1"/>
+              <a:rPr lang="en-US" sz="2200" noProof="1"/>
               <a:t>&lt;system.web&gt;</a:t>
             </a:r>
           </a:p>
@@ -45007,15 +45126,15 @@
               <a:defRPr/>
             </a:pPr>
             <a:r>
-              <a:rPr lang="en-US" noProof="1"/>
+              <a:rPr lang="en-US" sz="2200" noProof="1"/>
               <a:t> </a:t>
             </a:r>
             <a:r>
-              <a:rPr lang="en-US" noProof="1" smtClean="0"/>
+              <a:rPr lang="en-US" sz="2200" noProof="1" smtClean="0"/>
               <a:t> &lt;</a:t>
             </a:r>
             <a:r>
-              <a:rPr lang="en-US" noProof="1"/>
+              <a:rPr lang="en-US" sz="2200" noProof="1"/>
               <a:t>sessionState </a:t>
             </a:r>
           </a:p>
@@ -45027,11 +45146,11 @@
               <a:defRPr/>
             </a:pPr>
             <a:r>
-              <a:rPr lang="en-US" noProof="1" smtClean="0"/>
+              <a:rPr lang="en-US" sz="2200" noProof="1" smtClean="0"/>
               <a:t>    cookieless</a:t>
             </a:r>
             <a:r>
-              <a:rPr lang="en-US" noProof="1"/>
+              <a:rPr lang="en-US" sz="2200" noProof="1"/>
               <a:t>="true" mode="InProc" </a:t>
             </a:r>
           </a:p>
@@ -45043,15 +45162,15 @@
               <a:defRPr/>
             </a:pPr>
             <a:r>
-              <a:rPr lang="en-US" noProof="1"/>
+              <a:rPr lang="en-US" sz="2200" noProof="1"/>
               <a:t> </a:t>
             </a:r>
             <a:r>
-              <a:rPr lang="en-US" noProof="1" smtClean="0"/>
+              <a:rPr lang="en-US" sz="2200" noProof="1" smtClean="0"/>
               <a:t>   timeout</a:t>
             </a:r>
             <a:r>
-              <a:rPr lang="en-US" noProof="1"/>
+              <a:rPr lang="en-US" sz="2200" noProof="1"/>
               <a:t>="60" cookieName="MySite" /&gt;</a:t>
             </a:r>
           </a:p>
@@ -45063,10 +45182,10 @@
               <a:defRPr/>
             </a:pPr>
             <a:r>
-              <a:rPr lang="en-US" noProof="1"/>
+              <a:rPr lang="en-US" sz="2200" noProof="1"/>
               <a:t>&lt;/system.web&gt;</a:t>
             </a:r>
-            <a:endParaRPr lang="en-US" dirty="0"/>
+            <a:endParaRPr lang="en-US" sz="2200" dirty="0"/>
           </a:p>
         </p:txBody>
       </p:sp>
@@ -45125,11 +45244,11 @@
   <p:clrMapOvr>
     <a:masterClrMapping/>
   </p:clrMapOvr>
-  <mc:AlternateContent xmlns:mc="http://schemas.openxmlformats.org/markup-compatibility/2006">
-    <mc:Choice xmlns:p14="http://schemas.microsoft.com/office/powerpoint/2010/main" xmlns="" Requires="p14">
+  <mc:AlternateContent xmlns:mc="http://schemas.openxmlformats.org/markup-compatibility/2006" xmlns:p14="http://schemas.microsoft.com/office/powerpoint/2010/main">
+    <mc:Choice Requires="p14">
       <p:transition spd="slow" p14:dur="2000"/>
     </mc:Choice>
-    <mc:Fallback>
+    <mc:Fallback xmlns="">
       <p:transition spd="slow"/>
     </mc:Fallback>
   </mc:AlternateContent>
@@ -45196,7 +45315,12 @@
             <p:ph idx="1"/>
           </p:nvPr>
         </p:nvSpPr>
-        <p:spPr/>
+        <p:spPr>
+          <a:xfrm>
+            <a:off x="228600" y="836712"/>
+            <a:ext cx="8686800" cy="5638800"/>
+          </a:xfrm>
+        </p:spPr>
         <p:txBody>
           <a:bodyPr/>
           <a:lstStyle/>
@@ -45244,9 +45368,29 @@
               </a:rPr>
               <a:t> </a:t>
             </a:r>
+            <a:endParaRPr lang="en-US" dirty="0" smtClean="0">
+              <a:solidFill>
+                <a:schemeClr val="accent5">
+                  <a:lumMod val="20000"/>
+                  <a:lumOff val="80000"/>
+                </a:schemeClr>
+              </a:solidFill>
+            </a:endParaRPr>
+          </a:p>
+          <a:p>
+            <a:pPr marL="1193800" lvl="2" indent="-271463">
+              <a:lnSpc>
+                <a:spcPct val="100000"/>
+              </a:lnSpc>
+              <a:defRPr/>
+            </a:pPr>
             <a:r>
               <a:rPr lang="en-US" dirty="0" smtClean="0"/>
-              <a:t>– a period for which the session is active</a:t>
+              <a:t>A </a:t>
+            </a:r>
+            <a:r>
+              <a:rPr lang="en-US" dirty="0" smtClean="0"/>
+              <a:t>period for which the session is active</a:t>
             </a:r>
             <a:endParaRPr lang="bg-BG" dirty="0" smtClean="0"/>
           </a:p>
@@ -45281,9 +45425,29 @@
               </a:rPr>
               <a:t> </a:t>
             </a:r>
+            <a:endParaRPr lang="en-US" dirty="0" smtClean="0">
+              <a:solidFill>
+                <a:schemeClr val="accent5">
+                  <a:lumMod val="20000"/>
+                  <a:lumOff val="80000"/>
+                </a:schemeClr>
+              </a:solidFill>
+            </a:endParaRPr>
+          </a:p>
+          <a:p>
+            <a:pPr marL="1193800" lvl="2" indent="-271463">
+              <a:lnSpc>
+                <a:spcPct val="100000"/>
+              </a:lnSpc>
+              <a:defRPr/>
+            </a:pPr>
             <a:r>
               <a:rPr lang="en-US" dirty="0" smtClean="0"/>
-              <a:t>– where the session is saved </a:t>
+              <a:t>Where </a:t>
+            </a:r>
+            <a:r>
+              <a:rPr lang="en-US" dirty="0" smtClean="0"/>
+              <a:t>the session is saved </a:t>
             </a:r>
             <a:r>
               <a:rPr lang="bg-BG" dirty="0" smtClean="0"/>
@@ -45298,38 +45462,19 @@
               <a:t>, </a:t>
             </a:r>
             <a:r>
-              <a:rPr lang="en-US" dirty="0" smtClean="0"/>
-              <a:t>SQL Server</a:t>
-            </a:r>
-            <a:r>
-              <a:rPr lang="bg-BG" dirty="0" smtClean="0"/>
-              <a:t>, </a:t>
-            </a:r>
-            <a:r>
-              <a:rPr lang="en-US" dirty="0" smtClean="0"/>
-              <a:t>State Server (separate process)</a:t>
-            </a:r>
-            <a:endParaRPr lang="bg-BG" dirty="0" smtClean="0"/>
-          </a:p>
-          <a:p>
-            <a:pPr marL="901700" lvl="1" indent="-271463">
-              <a:lnSpc>
-                <a:spcPct val="100000"/>
-              </a:lnSpc>
-              <a:defRPr/>
-            </a:pPr>
-            <a:r>
-              <a:rPr kumimoji="0" lang="en-US" dirty="0" smtClean="0">
+              <a:rPr lang="en-US" dirty="0" smtClean="0">
                 <a:solidFill>
                   <a:schemeClr val="accent5">
                     <a:lumMod val="20000"/>
                     <a:lumOff val="80000"/>
                   </a:schemeClr>
                 </a:solidFill>
-                <a:latin typeface="Consolas" pitchFamily="49" charset="0"/>
-                <a:cs typeface="Consolas" pitchFamily="49" charset="0"/>
-              </a:rPr>
-              <a:t>Cookieless</a:t>
+              </a:rPr>
+              <a:t>SQL</a:t>
+            </a:r>
+            <a:r>
+              <a:rPr lang="en-US" dirty="0" smtClean="0"/>
+              <a:t> </a:t>
             </a:r>
             <a:r>
               <a:rPr lang="en-US" dirty="0" smtClean="0">
@@ -45340,11 +45485,113 @@
                   </a:schemeClr>
                 </a:solidFill>
               </a:rPr>
+              <a:t>Server</a:t>
+            </a:r>
+            <a:r>
+              <a:rPr lang="bg-BG" dirty="0" smtClean="0"/>
+              <a:t>, </a:t>
+            </a:r>
+            <a:r>
+              <a:rPr lang="en-US" dirty="0" smtClean="0">
+                <a:solidFill>
+                  <a:schemeClr val="accent5">
+                    <a:lumMod val="20000"/>
+                    <a:lumOff val="80000"/>
+                  </a:schemeClr>
+                </a:solidFill>
+              </a:rPr>
+              <a:t>State</a:t>
+            </a:r>
+            <a:r>
+              <a:rPr lang="en-US" dirty="0" smtClean="0"/>
               <a:t> </a:t>
             </a:r>
             <a:r>
+              <a:rPr lang="en-US" dirty="0" smtClean="0">
+                <a:solidFill>
+                  <a:schemeClr val="accent5">
+                    <a:lumMod val="20000"/>
+                    <a:lumOff val="80000"/>
+                  </a:schemeClr>
+                </a:solidFill>
+              </a:rPr>
+              <a:t>Server</a:t>
+            </a:r>
+            <a:r>
               <a:rPr lang="en-US" dirty="0" smtClean="0"/>
-              <a:t>– a session that doesn’t use cookies </a:t>
+              <a:t> (separate process)</a:t>
+            </a:r>
+            <a:endParaRPr lang="bg-BG" dirty="0" smtClean="0"/>
+          </a:p>
+          <a:p>
+            <a:pPr marL="901700" lvl="1" indent="-271463">
+              <a:lnSpc>
+                <a:spcPct val="100000"/>
+              </a:lnSpc>
+              <a:defRPr/>
+            </a:pPr>
+            <a:r>
+              <a:rPr kumimoji="0" lang="en-US" dirty="0" smtClean="0">
+                <a:solidFill>
+                  <a:schemeClr val="accent5">
+                    <a:lumMod val="20000"/>
+                    <a:lumOff val="80000"/>
+                  </a:schemeClr>
+                </a:solidFill>
+                <a:latin typeface="Consolas" pitchFamily="49" charset="0"/>
+                <a:cs typeface="Consolas" pitchFamily="49" charset="0"/>
+              </a:rPr>
+              <a:t>Cookieless</a:t>
+            </a:r>
+            <a:r>
+              <a:rPr lang="en-US" dirty="0" smtClean="0">
+                <a:solidFill>
+                  <a:schemeClr val="accent5">
+                    <a:lumMod val="20000"/>
+                    <a:lumOff val="80000"/>
+                  </a:schemeClr>
+                </a:solidFill>
+              </a:rPr>
+              <a:t> </a:t>
+            </a:r>
+            <a:endParaRPr lang="en-US" dirty="0" smtClean="0">
+              <a:solidFill>
+                <a:schemeClr val="accent5">
+                  <a:lumMod val="20000"/>
+                  <a:lumOff val="80000"/>
+                </a:schemeClr>
+              </a:solidFill>
+            </a:endParaRPr>
+          </a:p>
+          <a:p>
+            <a:pPr marL="1193800" lvl="2" indent="-271463">
+              <a:lnSpc>
+                <a:spcPct val="100000"/>
+              </a:lnSpc>
+              <a:defRPr/>
+            </a:pPr>
+            <a:r>
+              <a:rPr lang="en-US" dirty="0" smtClean="0"/>
+              <a:t>A </a:t>
+            </a:r>
+            <a:r>
+              <a:rPr lang="en-US" dirty="0" smtClean="0">
+                <a:solidFill>
+                  <a:schemeClr val="accent5">
+                    <a:lumMod val="20000"/>
+                    <a:lumOff val="80000"/>
+                  </a:schemeClr>
+                </a:solidFill>
+              </a:rPr>
+              <a:t>Session</a:t>
+            </a:r>
+            <a:r>
+              <a:rPr lang="en-US" dirty="0" smtClean="0"/>
+              <a:t> that </a:t>
+            </a:r>
+            <a:r>
+              <a:rPr lang="en-US" dirty="0" smtClean="0"/>
+              <a:t>doesn’t use cookies </a:t>
             </a:r>
             <a:r>
               <a:rPr lang="bg-BG" dirty="0" smtClean="0"/>
@@ -45412,11 +45659,11 @@
   <p:clrMapOvr>
     <a:masterClrMapping/>
   </p:clrMapOvr>
-  <mc:AlternateContent xmlns:mc="http://schemas.openxmlformats.org/markup-compatibility/2006">
-    <mc:Choice xmlns:p14="http://schemas.microsoft.com/office/powerpoint/2010/main" xmlns="" Requires="p14">
+  <mc:AlternateContent xmlns:mc="http://schemas.openxmlformats.org/markup-compatibility/2006" xmlns:p14="http://schemas.microsoft.com/office/powerpoint/2010/main">
+    <mc:Choice Requires="p14">
       <p:transition spd="slow" p14:dur="2000"/>
     </mc:Choice>
-    <mc:Fallback>
+    <mc:Fallback xmlns="">
       <p:transition spd="slow"/>
     </mc:Fallback>
   </mc:AlternateContent>
@@ -45521,7 +45768,7 @@
           <a:blip r:embed="rId3" cstate="print">
             <a:extLst>
               <a:ext uri="{28A0092B-C50C-407E-A947-70E740481C1C}">
-                <a14:useLocalDpi xmlns:a14="http://schemas.microsoft.com/office/drawing/2010/main" xmlns=""/>
+                <a14:useLocalDpi xmlns:a14="http://schemas.microsoft.com/office/drawing/2010/main"/>
               </a:ext>
             </a:extLst>
           </a:blip>
@@ -45547,14 +45794,14 @@
           <a:effectLst/>
           <a:extLst>
             <a:ext uri="{909E8E84-426E-40DD-AFC4-6F175D3DCCD1}">
-              <a14:hiddenFill xmlns:a14="http://schemas.microsoft.com/office/drawing/2010/main" xmlns="">
+              <a14:hiddenFill xmlns:a14="http://schemas.microsoft.com/office/drawing/2010/main">
                 <a:solidFill>
                   <a:schemeClr val="accent1"/>
                 </a:solidFill>
               </a14:hiddenFill>
             </a:ext>
             <a:ext uri="{91240B29-F687-4F45-9708-019B960494DF}">
-              <a14:hiddenLine xmlns:a14="http://schemas.microsoft.com/office/drawing/2010/main" xmlns="" w="9525">
+              <a14:hiddenLine xmlns:a14="http://schemas.microsoft.com/office/drawing/2010/main" w="9525">
                 <a:solidFill>
                   <a:schemeClr val="tx1"/>
                 </a:solidFill>
@@ -45564,7 +45811,7 @@
               </a14:hiddenLine>
             </a:ext>
             <a:ext uri="{AF507438-7753-43E0-B8FC-AC1667EBCBE1}">
-              <a14:hiddenEffects xmlns:a14="http://schemas.microsoft.com/office/drawing/2010/main" xmlns="">
+              <a14:hiddenEffects xmlns:a14="http://schemas.microsoft.com/office/drawing/2010/main">
                 <a:effectLst>
                   <a:outerShdw dist="35921" dir="2700000" algn="ctr" rotWithShape="0">
                     <a:schemeClr val="bg2"/>
@@ -45580,11 +45827,11 @@
   <p:clrMapOvr>
     <a:masterClrMapping/>
   </p:clrMapOvr>
-  <mc:AlternateContent xmlns:mc="http://schemas.openxmlformats.org/markup-compatibility/2006">
-    <mc:Choice xmlns:p14="http://schemas.microsoft.com/office/powerpoint/2010/main" xmlns="" Requires="p14">
+  <mc:AlternateContent xmlns:mc="http://schemas.openxmlformats.org/markup-compatibility/2006" xmlns:p14="http://schemas.microsoft.com/office/powerpoint/2010/main">
+    <mc:Choice Requires="p14">
       <p:transition spd="slow" p14:dur="2000"/>
     </mc:Choice>
-    <mc:Fallback>
+    <mc:Fallback xmlns="">
       <p:transition spd="slow"/>
     </mc:Fallback>
   </mc:AlternateContent>
@@ -45788,11 +46035,11 @@
   <p:clrMapOvr>
     <a:masterClrMapping/>
   </p:clrMapOvr>
-  <mc:AlternateContent xmlns:mc="http://schemas.openxmlformats.org/markup-compatibility/2006">
-    <mc:Choice xmlns:p14="http://schemas.microsoft.com/office/powerpoint/2010/main" xmlns="" Requires="p14">
+  <mc:AlternateContent xmlns:mc="http://schemas.openxmlformats.org/markup-compatibility/2006" xmlns:p14="http://schemas.microsoft.com/office/powerpoint/2010/main">
+    <mc:Choice Requires="p14">
       <p:transition spd="slow" p14:dur="2000"/>
     </mc:Choice>
-    <mc:Fallback>
+    <mc:Fallback xmlns="">
       <p:transition spd="slow"/>
     </mc:Fallback>
   </mc:AlternateContent>
@@ -45868,11 +46115,11 @@
   <p:clrMapOvr>
     <a:masterClrMapping/>
   </p:clrMapOvr>
-  <mc:AlternateContent xmlns:mc="http://schemas.openxmlformats.org/markup-compatibility/2006">
-    <mc:Choice xmlns:p14="http://schemas.microsoft.com/office/powerpoint/2010/main" xmlns="" Requires="p14">
+  <mc:AlternateContent xmlns:mc="http://schemas.openxmlformats.org/markup-compatibility/2006" xmlns:p14="http://schemas.microsoft.com/office/powerpoint/2010/main">
+    <mc:Choice Requires="p14">
       <p:transition spd="slow" p14:dur="2000"/>
     </mc:Choice>
-    <mc:Fallback>
+    <mc:Fallback xmlns="">
       <p:transition spd="slow"/>
     </mc:Fallback>
   </mc:AlternateContent>
@@ -46027,9 +46274,27 @@
             </a:r>
             <a:r>
               <a:rPr lang="bg-BG" dirty="0" smtClean="0"/>
-              <a:t>ive information about the server and about further access to the resource identified by the Request-URI</a:t>
-            </a:r>
-            <a:endParaRPr lang="en-US" dirty="0" smtClean="0"/>
+              <a:t>ive information about the server and about further access to the resource identified by the </a:t>
+            </a:r>
+            <a:r>
+              <a:rPr lang="bg-BG" dirty="0" smtClean="0">
+                <a:solidFill>
+                  <a:schemeClr val="accent5">
+                    <a:lumMod val="20000"/>
+                    <a:lumOff val="80000"/>
+                  </a:schemeClr>
+                </a:solidFill>
+              </a:rPr>
+              <a:t>Request-URI</a:t>
+            </a:r>
+            <a:endParaRPr lang="en-US" dirty="0" smtClean="0">
+              <a:solidFill>
+                <a:schemeClr val="accent5">
+                  <a:lumMod val="20000"/>
+                  <a:lumOff val="80000"/>
+                </a:schemeClr>
+              </a:solidFill>
+            </a:endParaRPr>
           </a:p>
           <a:p>
             <a:pPr marL="450850" indent="-450850">
@@ -46135,11 +46400,11 @@
   <p:clrMapOvr>
     <a:masterClrMapping/>
   </p:clrMapOvr>
-  <mc:AlternateContent xmlns:mc="http://schemas.openxmlformats.org/markup-compatibility/2006">
-    <mc:Choice xmlns:p14="http://schemas.microsoft.com/office/powerpoint/2010/main" xmlns="" Requires="p14">
+  <mc:AlternateContent xmlns:mc="http://schemas.openxmlformats.org/markup-compatibility/2006" xmlns:p14="http://schemas.microsoft.com/office/powerpoint/2010/main">
+    <mc:Choice Requires="p14">
       <p:transition spd="slow" p14:dur="2000"/>
     </mc:Choice>
-    <mc:Fallback>
+    <mc:Fallback xmlns="">
       <p:transition spd="slow"/>
     </mc:Fallback>
   </mc:AlternateContent>
@@ -46604,11 +46869,11 @@
   <p:clrMapOvr>
     <a:masterClrMapping/>
   </p:clrMapOvr>
-  <mc:AlternateContent xmlns:mc="http://schemas.openxmlformats.org/markup-compatibility/2006">
-    <mc:Choice xmlns:p14="http://schemas.microsoft.com/office/powerpoint/2010/main" xmlns="" Requires="p14">
+  <mc:AlternateContent xmlns:mc="http://schemas.openxmlformats.org/markup-compatibility/2006" xmlns:p14="http://schemas.microsoft.com/office/powerpoint/2010/main">
+    <mc:Choice Requires="p14">
       <p:transition spd="slow" p14:dur="2000"/>
     </mc:Choice>
-    <mc:Fallback>
+    <mc:Fallback xmlns="">
       <p:transition spd="slow"/>
     </mc:Fallback>
   </mc:AlternateContent>
@@ -47186,11 +47451,11 @@
   <p:clrMapOvr>
     <a:masterClrMapping/>
   </p:clrMapOvr>
-  <mc:AlternateContent xmlns:mc="http://schemas.openxmlformats.org/markup-compatibility/2006">
-    <mc:Choice xmlns:p14="http://schemas.microsoft.com/office/powerpoint/2010/main" xmlns="" Requires="p14">
+  <mc:AlternateContent xmlns:mc="http://schemas.openxmlformats.org/markup-compatibility/2006" xmlns:p14="http://schemas.microsoft.com/office/powerpoint/2010/main">
+    <mc:Choice Requires="p14">
       <p:transition spd="slow" p14:dur="2000"/>
     </mc:Choice>
-    <mc:Fallback>
+    <mc:Fallback xmlns="">
       <p:transition spd="slow"/>
     </mc:Fallback>
   </mc:AlternateContent>
@@ -47299,7 +47564,7 @@
           <a:blip r:embed="rId3" cstate="screen">
             <a:extLst>
               <a:ext uri="{28A0092B-C50C-407E-A947-70E740481C1C}">
-                <a14:useLocalDpi xmlns:a14="http://schemas.microsoft.com/office/drawing/2010/main" xmlns=""/>
+                <a14:useLocalDpi xmlns:a14="http://schemas.microsoft.com/office/drawing/2010/main"/>
               </a:ext>
             </a:extLst>
           </a:blip>
@@ -47325,14 +47590,14 @@
           <a:effectLst/>
           <a:extLst>
             <a:ext uri="{909E8E84-426E-40DD-AFC4-6F175D3DCCD1}">
-              <a14:hiddenFill xmlns:a14="http://schemas.microsoft.com/office/drawing/2010/main" xmlns="">
+              <a14:hiddenFill xmlns:a14="http://schemas.microsoft.com/office/drawing/2010/main">
                 <a:solidFill>
                   <a:schemeClr val="accent1"/>
                 </a:solidFill>
               </a14:hiddenFill>
             </a:ext>
             <a:ext uri="{91240B29-F687-4F45-9708-019B960494DF}">
-              <a14:hiddenLine xmlns:a14="http://schemas.microsoft.com/office/drawing/2010/main" xmlns="" w="9525">
+              <a14:hiddenLine xmlns:a14="http://schemas.microsoft.com/office/drawing/2010/main" w="9525">
                 <a:solidFill>
                   <a:schemeClr val="tx1"/>
                 </a:solidFill>
@@ -47342,7 +47607,7 @@
               </a14:hiddenLine>
             </a:ext>
             <a:ext uri="{AF507438-7753-43E0-B8FC-AC1667EBCBE1}">
-              <a14:hiddenEffects xmlns:a14="http://schemas.microsoft.com/office/drawing/2010/main" xmlns="">
+              <a14:hiddenEffects xmlns:a14="http://schemas.microsoft.com/office/drawing/2010/main">
                 <a:effectLst>
                   <a:outerShdw dist="35921" dir="2700000" algn="ctr" rotWithShape="0">
                     <a:schemeClr val="bg2"/>
@@ -47365,7 +47630,7 @@
           <a:blip r:embed="rId4" cstate="print">
             <a:extLst>
               <a:ext uri="{28A0092B-C50C-407E-A947-70E740481C1C}">
-                <a14:useLocalDpi xmlns:a14="http://schemas.microsoft.com/office/drawing/2010/main" xmlns=""/>
+                <a14:useLocalDpi xmlns:a14="http://schemas.microsoft.com/office/drawing/2010/main"/>
               </a:ext>
             </a:extLst>
           </a:blip>
@@ -47394,14 +47659,14 @@
           </a:effectLst>
           <a:extLst>
             <a:ext uri="{909E8E84-426E-40DD-AFC4-6F175D3DCCD1}">
-              <a14:hiddenFill xmlns:a14="http://schemas.microsoft.com/office/drawing/2010/main" xmlns="">
+              <a14:hiddenFill xmlns:a14="http://schemas.microsoft.com/office/drawing/2010/main">
                 <a:solidFill>
                   <a:schemeClr val="accent1"/>
                 </a:solidFill>
               </a14:hiddenFill>
             </a:ext>
             <a:ext uri="{91240B29-F687-4F45-9708-019B960494DF}">
-              <a14:hiddenLine xmlns:a14="http://schemas.microsoft.com/office/drawing/2010/main" xmlns="" w="9525">
+              <a14:hiddenLine xmlns:a14="http://schemas.microsoft.com/office/drawing/2010/main" w="9525">
                 <a:solidFill>
                   <a:schemeClr val="tx1"/>
                 </a:solidFill>
@@ -47418,11 +47683,11 @@
   <p:clrMapOvr>
     <a:masterClrMapping/>
   </p:clrMapOvr>
-  <mc:AlternateContent xmlns:mc="http://schemas.openxmlformats.org/markup-compatibility/2006">
-    <mc:Choice xmlns:p14="http://schemas.microsoft.com/office/powerpoint/2010/main" xmlns="" Requires="p14">
+  <mc:AlternateContent xmlns:mc="http://schemas.openxmlformats.org/markup-compatibility/2006" xmlns:p14="http://schemas.microsoft.com/office/powerpoint/2010/main">
+    <mc:Choice Requires="p14">
       <p:transition spd="slow" p14:dur="2000"/>
     </mc:Choice>
-    <mc:Fallback>
+    <mc:Fallback xmlns="">
       <p:transition spd="slow"/>
     </mc:Fallback>
   </mc:AlternateContent>
@@ -47491,8 +47756,8 @@
         </p:nvSpPr>
         <p:spPr>
           <a:xfrm>
-            <a:off x="228600" y="980728"/>
-            <a:ext cx="8686800" cy="5638800"/>
+            <a:off x="228600" y="836712"/>
+            <a:ext cx="8686800" cy="5782816"/>
           </a:xfrm>
         </p:spPr>
         <p:txBody>
@@ -47827,11 +48092,11 @@
   <p:clrMapOvr>
     <a:masterClrMapping/>
   </p:clrMapOvr>
-  <mc:AlternateContent xmlns:mc="http://schemas.openxmlformats.org/markup-compatibility/2006">
-    <mc:Choice xmlns:p14="http://schemas.microsoft.com/office/powerpoint/2010/main" xmlns="" Requires="p14">
+  <mc:AlternateContent xmlns:mc="http://schemas.openxmlformats.org/markup-compatibility/2006" xmlns:p14="http://schemas.microsoft.com/office/powerpoint/2010/main">
+    <mc:Choice Requires="p14">
       <p:transition spd="slow" p14:dur="2000"/>
     </mc:Choice>
-    <mc:Fallback>
+    <mc:Fallback xmlns="">
       <p:transition spd="slow"/>
     </mc:Fallback>
   </mc:AlternateContent>
@@ -48542,7 +48807,7 @@
     </p:spTree>
     <p:extLst>
       <p:ext uri="{BB962C8B-B14F-4D97-AF65-F5344CB8AC3E}">
-        <p14:creationId xmlns:p14="http://schemas.microsoft.com/office/powerpoint/2010/main" xmlns="" val="1577434309"/>
+        <p14:creationId xmlns:p14="http://schemas.microsoft.com/office/powerpoint/2010/main" val="1577434309"/>
       </p:ext>
     </p:extLst>
   </p:cSld>
@@ -48644,11 +48909,7 @@
             </a:r>
             <a:r>
               <a:rPr lang="en-US" sz="2800" dirty="0" smtClean="0"/>
-              <a:t>which prints the type of the </a:t>
-            </a:r>
-            <a:r>
-              <a:rPr lang="en-US" sz="2800" dirty="0" smtClean="0"/>
-              <a:t>browser and</a:t>
+              <a:t>which prints the type of the browser and</a:t>
             </a:r>
             <a:r>
               <a:rPr lang="bg-BG" sz="2800" dirty="0" smtClean="0"/>
@@ -48656,11 +48917,7 @@
             </a:r>
             <a:r>
               <a:rPr lang="en-US" sz="2800" dirty="0" smtClean="0"/>
-              <a:t>the </a:t>
-            </a:r>
-            <a:r>
-              <a:rPr lang="en-US" sz="2800" dirty="0" smtClean="0"/>
-              <a:t>client IP address requested </a:t>
+              <a:t>the client IP address requested </a:t>
             </a:r>
             <a:r>
               <a:rPr lang="en-US" sz="2800" dirty="0" smtClean="0">
@@ -48837,11 +49094,11 @@
   <p:clrMapOvr>
     <a:masterClrMapping/>
   </p:clrMapOvr>
-  <mc:AlternateContent xmlns:mc="http://schemas.openxmlformats.org/markup-compatibility/2006">
-    <mc:Choice xmlns:p14="http://schemas.microsoft.com/office/powerpoint/2010/main" xmlns="" Requires="p14">
+  <mc:AlternateContent xmlns:mc="http://schemas.openxmlformats.org/markup-compatibility/2006" xmlns:p14="http://schemas.microsoft.com/office/powerpoint/2010/main">
+    <mc:Choice Requires="p14">
       <p:transition spd="slow" p14:dur="2000"/>
     </mc:Choice>
-    <mc:Fallback>
+    <mc:Fallback xmlns="">
       <p:transition spd="slow"/>
     </mc:Fallback>
   </mc:AlternateContent>
@@ -49047,11 +49304,11 @@
   <p:clrMapOvr>
     <a:masterClrMapping/>
   </p:clrMapOvr>
-  <mc:AlternateContent xmlns:mc="http://schemas.openxmlformats.org/markup-compatibility/2006">
-    <mc:Choice xmlns:p14="http://schemas.microsoft.com/office/powerpoint/2010/main" xmlns="" Requires="p14">
+  <mc:AlternateContent xmlns:mc="http://schemas.openxmlformats.org/markup-compatibility/2006" xmlns:p14="http://schemas.microsoft.com/office/powerpoint/2010/main">
+    <mc:Choice Requires="p14">
       <p:transition spd="slow" p14:dur="2000"/>
     </mc:Choice>
-    <mc:Fallback>
+    <mc:Fallback xmlns="">
       <p:transition spd="slow"/>
     </mc:Fallback>
   </mc:AlternateContent>
@@ -49222,11 +49479,11 @@
   <p:clrMapOvr>
     <a:masterClrMapping/>
   </p:clrMapOvr>
-  <mc:AlternateContent xmlns:mc="http://schemas.openxmlformats.org/markup-compatibility/2006">
-    <mc:Choice xmlns:p14="http://schemas.microsoft.com/office/powerpoint/2010/main" xmlns="" Requires="p14">
+  <mc:AlternateContent xmlns:mc="http://schemas.openxmlformats.org/markup-compatibility/2006" xmlns:p14="http://schemas.microsoft.com/office/powerpoint/2010/main">
+    <mc:Choice Requires="p14">
       <p:transition spd="slow" p14:dur="2000"/>
     </mc:Choice>
-    <mc:Fallback>
+    <mc:Fallback xmlns="">
       <p:transition spd="slow"/>
     </mc:Fallback>
   </mc:AlternateContent>
@@ -49671,11 +49928,11 @@
   <p:clrMapOvr>
     <a:masterClrMapping/>
   </p:clrMapOvr>
-  <mc:AlternateContent xmlns:mc="http://schemas.openxmlformats.org/markup-compatibility/2006">
-    <mc:Choice xmlns:p14="http://schemas.microsoft.com/office/powerpoint/2010/main" xmlns="" Requires="p14">
+  <mc:AlternateContent xmlns:mc="http://schemas.openxmlformats.org/markup-compatibility/2006" xmlns:p14="http://schemas.microsoft.com/office/powerpoint/2010/main">
+    <mc:Choice Requires="p14">
       <p:transition spd="slow" p14:dur="2000"/>
     </mc:Choice>
-    <mc:Fallback>
+    <mc:Fallback xmlns="">
       <p:transition spd="slow"/>
     </mc:Fallback>
   </mc:AlternateContent>
@@ -49744,7 +50001,7 @@
         </p:nvSpPr>
         <p:spPr>
           <a:xfrm>
-            <a:off x="323850" y="908720"/>
+            <a:off x="323850" y="836712"/>
             <a:ext cx="8496300" cy="5760640"/>
           </a:xfrm>
         </p:spPr>
@@ -49754,7 +50011,7 @@
           <a:p>
             <a:pPr>
               <a:lnSpc>
-                <a:spcPts val="3600"/>
+                <a:spcPct val="100000"/>
               </a:lnSpc>
               <a:defRPr/>
             </a:pPr>
@@ -49779,7 +50036,7 @@
           <a:p>
             <a:pPr lvl="1">
               <a:lnSpc>
-                <a:spcPts val="3600"/>
+                <a:spcPct val="100000"/>
               </a:lnSpc>
               <a:defRPr/>
             </a:pPr>
@@ -49821,7 +50078,7 @@
           <a:p>
             <a:pPr lvl="1">
               <a:lnSpc>
-                <a:spcPts val="3600"/>
+                <a:spcPct val="100000"/>
               </a:lnSpc>
               <a:defRPr/>
             </a:pPr>
@@ -49859,7 +50116,7 @@
           <a:p>
             <a:pPr lvl="1">
               <a:lnSpc>
-                <a:spcPts val="3600"/>
+                <a:spcPct val="100000"/>
               </a:lnSpc>
               <a:defRPr/>
             </a:pPr>
@@ -49894,7 +50151,7 @@
           <a:p>
             <a:pPr lvl="1">
               <a:lnSpc>
-                <a:spcPts val="3600"/>
+                <a:spcPct val="100000"/>
               </a:lnSpc>
               <a:defRPr/>
             </a:pPr>
@@ -49929,7 +50186,7 @@
           <a:p>
             <a:pPr lvl="1">
               <a:lnSpc>
-                <a:spcPts val="3600"/>
+                <a:spcPct val="100000"/>
               </a:lnSpc>
               <a:defRPr/>
             </a:pPr>
@@ -49964,7 +50221,7 @@
           <a:p>
             <a:pPr lvl="1">
               <a:lnSpc>
-                <a:spcPts val="3600"/>
+                <a:spcPct val="100000"/>
               </a:lnSpc>
               <a:defRPr/>
             </a:pPr>
@@ -50002,7 +50259,7 @@
           <a:p>
             <a:pPr lvl="1">
               <a:lnSpc>
-                <a:spcPts val="3600"/>
+                <a:spcPct val="100000"/>
               </a:lnSpc>
               <a:defRPr/>
             </a:pPr>
@@ -50115,11 +50372,11 @@
   <p:clrMapOvr>
     <a:masterClrMapping/>
   </p:clrMapOvr>
-  <mc:AlternateContent xmlns:mc="http://schemas.openxmlformats.org/markup-compatibility/2006">
-    <mc:Choice xmlns:p14="http://schemas.microsoft.com/office/powerpoint/2010/main" xmlns="" Requires="p14">
+  <mc:AlternateContent xmlns:mc="http://schemas.openxmlformats.org/markup-compatibility/2006" xmlns:p14="http://schemas.microsoft.com/office/powerpoint/2010/main">
+    <mc:Choice Requires="p14">
       <p:transition spd="slow" p14:dur="2000"/>
     </mc:Choice>
-    <mc:Fallback>
+    <mc:Fallback xmlns="">
       <p:transition spd="slow"/>
     </mc:Fallback>
   </mc:AlternateContent>
@@ -50489,11 +50746,11 @@
   <p:clrMapOvr>
     <a:masterClrMapping/>
   </p:clrMapOvr>
-  <mc:AlternateContent xmlns:mc="http://schemas.openxmlformats.org/markup-compatibility/2006">
-    <mc:Choice xmlns:p14="http://schemas.microsoft.com/office/powerpoint/2010/main" xmlns="" Requires="p14">
+  <mc:AlternateContent xmlns:mc="http://schemas.openxmlformats.org/markup-compatibility/2006" xmlns:p14="http://schemas.microsoft.com/office/powerpoint/2010/main">
+    <mc:Choice Requires="p14">
       <p:transition spd="slow" p14:dur="2000"/>
     </mc:Choice>
-    <mc:Fallback>
+    <mc:Fallback xmlns="">
       <p:transition spd="slow"/>
     </mc:Fallback>
   </mc:AlternateContent>
@@ -52541,11 +52798,11 @@
   <p:clrMapOvr>
     <a:masterClrMapping/>
   </p:clrMapOvr>
-  <mc:AlternateContent xmlns:mc="http://schemas.openxmlformats.org/markup-compatibility/2006">
-    <mc:Choice xmlns:p14="http://schemas.microsoft.com/office/powerpoint/2010/main" xmlns="" Requires="p14">
+  <mc:AlternateContent xmlns:mc="http://schemas.openxmlformats.org/markup-compatibility/2006" xmlns:p14="http://schemas.microsoft.com/office/powerpoint/2010/main">
+    <mc:Choice Requires="p14">
       <p:transition spd="slow" p14:dur="2000"/>
     </mc:Choice>
-    <mc:Fallback>
+    <mc:Fallback xmlns="">
       <p:transition spd="slow"/>
     </mc:Fallback>
   </mc:AlternateContent>
@@ -52813,7 +53070,7 @@
         </a:effectLst>
         <a:extLst>
           <a:ext uri="{909E8E84-426E-40DD-AFC4-6F175D3DCCD1}">
-            <a14:hiddenFill xmlns:a14="http://schemas.microsoft.com/office/drawing/2010/main" xmlns="">
+            <a14:hiddenFill xmlns:a14="http://schemas.microsoft.com/office/drawing/2010/main">
               <a:solidFill>
                 <a:srgbClr val="FFFFFF">
                   <a:alpha val="30000"/>
@@ -52822,7 +53079,7 @@
             </a14:hiddenFill>
           </a:ext>
           <a:ext uri="{91240B29-F687-4F45-9708-019B960494DF}">
-            <a14:hiddenLine xmlns:a14="http://schemas.microsoft.com/office/drawing/2010/main" xmlns="" w="9525" cap="flat" cmpd="sng" algn="ctr">
+            <a14:hiddenLine xmlns:a14="http://schemas.microsoft.com/office/drawing/2010/main" w="9525" cap="flat" cmpd="sng" algn="ctr">
               <a:solidFill>
                 <a:schemeClr val="tx1"/>
               </a:solidFill>
@@ -52899,7 +53156,7 @@
         </a:effectLst>
         <a:extLst>
           <a:ext uri="{909E8E84-426E-40DD-AFC4-6F175D3DCCD1}">
-            <a14:hiddenFill xmlns:a14="http://schemas.microsoft.com/office/drawing/2010/main" xmlns="">
+            <a14:hiddenFill xmlns:a14="http://schemas.microsoft.com/office/drawing/2010/main">
               <a:solidFill>
                 <a:srgbClr val="FFFFFF">
                   <a:alpha val="30000"/>
@@ -52908,7 +53165,7 @@
             </a14:hiddenFill>
           </a:ext>
           <a:ext uri="{91240B29-F687-4F45-9708-019B960494DF}">
-            <a14:hiddenLine xmlns:a14="http://schemas.microsoft.com/office/drawing/2010/main" xmlns="" w="9525" cap="flat" cmpd="sng" algn="ctr">
+            <a14:hiddenLine xmlns:a14="http://schemas.microsoft.com/office/drawing/2010/main" w="9525" cap="flat" cmpd="sng" algn="ctr">
               <a:solidFill>
                 <a:schemeClr val="tx1"/>
               </a:solidFill>
